--- a/presentation.pptx
+++ b/presentation.pptx
@@ -38,17 +38,25 @@
     <p:sldId id="281" r:id="rId32"/>
     <p:sldId id="282" r:id="rId33"/>
     <p:sldId id="283" r:id="rId34"/>
-    <p:sldId id="297" r:id="rId35"/>
-    <p:sldId id="299" r:id="rId36"/>
-    <p:sldId id="298" r:id="rId37"/>
-    <p:sldId id="286" r:id="rId38"/>
-    <p:sldId id="287" r:id="rId39"/>
-    <p:sldId id="288" r:id="rId40"/>
-    <p:sldId id="289" r:id="rId41"/>
-    <p:sldId id="290" r:id="rId42"/>
-    <p:sldId id="291" r:id="rId43"/>
-    <p:sldId id="292" r:id="rId44"/>
-    <p:sldId id="293" r:id="rId45"/>
+    <p:sldId id="300" r:id="rId35"/>
+    <p:sldId id="301" r:id="rId36"/>
+    <p:sldId id="297" r:id="rId37"/>
+    <p:sldId id="302" r:id="rId38"/>
+    <p:sldId id="303" r:id="rId39"/>
+    <p:sldId id="299" r:id="rId40"/>
+    <p:sldId id="304" r:id="rId41"/>
+    <p:sldId id="305" r:id="rId42"/>
+    <p:sldId id="298" r:id="rId43"/>
+    <p:sldId id="306" r:id="rId44"/>
+    <p:sldId id="307" r:id="rId45"/>
+    <p:sldId id="308" r:id="rId46"/>
+    <p:sldId id="287" r:id="rId47"/>
+    <p:sldId id="288" r:id="rId48"/>
+    <p:sldId id="289" r:id="rId49"/>
+    <p:sldId id="290" r:id="rId50"/>
+    <p:sldId id="291" r:id="rId51"/>
+    <p:sldId id="292" r:id="rId52"/>
+    <p:sldId id="293" r:id="rId53"/>
   </p:sldIdLst>
   <p:sldSz cx="9144000" cy="6858000" type="screen4x3"/>
   <p:notesSz cx="6858000" cy="9144000"/>
@@ -5689,7 +5697,7 @@
             </a:pPr>
             <a:r>
               <a:rPr lang="en-US" dirty="0" smtClean="0"/>
-              <a:t>Motivation and Research Goals</a:t>
+              <a:t>Motivation</a:t>
             </a:r>
           </a:p>
           <a:p>
@@ -5710,6 +5718,46 @@
             <a:r>
               <a:rPr lang="en-US" dirty="0" smtClean="0"/>
               <a:t>Basics</a:t>
+            </a:r>
+          </a:p>
+          <a:p>
+            <a:pPr marL="457200" indent="-457200">
+              <a:buFont typeface="+mj-lt"/>
+              <a:buAutoNum type="arabicPeriod"/>
+            </a:pPr>
+            <a:r>
+              <a:rPr lang="en-US" dirty="0" smtClean="0"/>
+              <a:t>Contributions</a:t>
+            </a:r>
+          </a:p>
+          <a:p>
+            <a:pPr marL="457200" indent="-457200">
+              <a:buFont typeface="+mj-lt"/>
+              <a:buAutoNum type="arabicPeriod"/>
+            </a:pPr>
+            <a:r>
+              <a:rPr lang="en-US" dirty="0" smtClean="0"/>
+              <a:t>Evaluation</a:t>
+            </a:r>
+          </a:p>
+          <a:p>
+            <a:pPr marL="457200" indent="-457200">
+              <a:buFont typeface="+mj-lt"/>
+              <a:buAutoNum type="arabicPeriod"/>
+            </a:pPr>
+            <a:r>
+              <a:rPr lang="en-US" dirty="0" smtClean="0"/>
+              <a:t>Future Work</a:t>
+            </a:r>
+          </a:p>
+          <a:p>
+            <a:pPr marL="457200" indent="-457200">
+              <a:buFont typeface="+mj-lt"/>
+              <a:buAutoNum type="arabicPeriod"/>
+            </a:pPr>
+            <a:r>
+              <a:rPr lang="en-US" dirty="0" smtClean="0"/>
+              <a:t>Conclusion</a:t>
             </a:r>
           </a:p>
           <a:p>
@@ -6239,7 +6287,7 @@
             <p:ph idx="1"/>
           </p:nvPr>
         </p:nvPicPr>
-        <p:blipFill>
+        <p:blipFill rotWithShape="1">
           <a:blip r:embed="rId2">
             <a:extLst>
               <a:ext uri="{28A0092B-C50C-407E-A947-70E740481C1C}">
@@ -6247,10 +6295,8 @@
               </a:ext>
             </a:extLst>
           </a:blip>
-          <a:srcRect t="1766" b="1766"/>
-          <a:stretch>
-            <a:fillRect/>
-          </a:stretch>
+          <a:srcRect l="-1831" r="-1831"/>
+          <a:stretch/>
         </p:blipFill>
         <p:spPr/>
       </p:pic>
@@ -6802,8 +6848,12 @@
               </a:lnSpc>
             </a:pPr>
             <a:r>
+              <a:rPr lang="en-US" sz="2000" dirty="0"/>
+              <a:t>E</a:t>
+            </a:r>
+            <a:r>
               <a:rPr lang="en-US" sz="2000" dirty="0" smtClean="0"/>
-              <a:t>Previous execution times per device</a:t>
+              <a:t>xecution times per device</a:t>
             </a:r>
           </a:p>
           <a:p>
@@ -6825,7 +6875,7 @@
             </a:pPr>
             <a:r>
               <a:rPr lang="en-US" sz="2000" dirty="0" smtClean="0"/>
-              <a:t>Previously transferred data size</a:t>
+              <a:t>Transferred data size</a:t>
             </a:r>
             <a:endParaRPr lang="en-US" sz="2000" dirty="0"/>
           </a:p>
@@ -7401,7 +7451,7 @@
             </a:pPr>
             <a:r>
               <a:rPr lang="en-US" dirty="0" smtClean="0"/>
-              <a:t>Matrix Multiplication</a:t>
+              <a:t>Matrix Multiplication (data-heavy)</a:t>
             </a:r>
           </a:p>
           <a:p>
@@ -7411,7 +7461,7 @@
             </a:pPr>
             <a:r>
               <a:rPr lang="en-US" dirty="0" smtClean="0"/>
-              <a:t>Mandelbrot Set</a:t>
+              <a:t>Mandelbrot Set (computation-heavy)</a:t>
             </a:r>
           </a:p>
           <a:p>
@@ -7421,7 +7471,7 @@
             </a:pPr>
             <a:r>
               <a:rPr lang="en-US" dirty="0" smtClean="0"/>
-              <a:t>Multiple jobs in parallel (Matrix Multiplication, Mandelbrot, K-means, N-body)</a:t>
+              <a:t>Multiple jobs in parallel: Matrix Multiplication, Mandelbrot, K-means and N-body</a:t>
             </a:r>
             <a:endParaRPr lang="en-US" dirty="0"/>
           </a:p>
@@ -7480,25 +7530,29 @@
           </a:p>
         </p:txBody>
       </p:sp>
-      <p:sp>
-        <p:nvSpPr>
-          <p:cNvPr id="12" name="Content Placeholder 11"/>
-          <p:cNvSpPr>
-            <a:spLocks noGrp="1"/>
-          </p:cNvSpPr>
+      <p:pic>
+        <p:nvPicPr>
+          <p:cNvPr id="15" name="Content Placeholder 14" descr="fully_assisted.pdf"/>
+          <p:cNvPicPr>
+            <a:picLocks noGrp="1" noChangeAspect="1"/>
+          </p:cNvPicPr>
           <p:nvPr>
             <p:ph idx="1"/>
           </p:nvPr>
-        </p:nvSpPr>
-        <p:spPr/>
-        <p:txBody>
-          <a:bodyPr/>
-          <a:lstStyle/>
-          <a:p>
-            <a:endParaRPr lang="en-US"/>
-          </a:p>
-        </p:txBody>
-      </p:sp>
+        </p:nvPicPr>
+        <p:blipFill rotWithShape="1">
+          <a:blip r:embed="rId2">
+            <a:extLst>
+              <a:ext uri="{28A0092B-C50C-407E-A947-70E740481C1C}">
+                <a14:useLocalDpi xmlns:a14="http://schemas.microsoft.com/office/drawing/2010/main" val="0"/>
+              </a:ext>
+            </a:extLst>
+          </a:blip>
+          <a:srcRect t="-28509" b="-28509"/>
+          <a:stretch/>
+        </p:blipFill>
+        <p:spPr/>
+      </p:pic>
     </p:spTree>
     <p:extLst>
       <p:ext uri="{BB962C8B-B14F-4D97-AF65-F5344CB8AC3E}">
@@ -7546,35 +7600,47 @@
           <a:p>
             <a:r>
               <a:rPr lang="en-US" dirty="0" smtClean="0"/>
-              <a:t>Local partly assisted setup</a:t>
+              <a:t>Fully assisted Matrix </a:t>
+            </a:r>
+            <a:r>
+              <a:rPr lang="en-US" dirty="0" err="1" smtClean="0"/>
+              <a:t>Mult</a:t>
+            </a:r>
+            <a:r>
+              <a:rPr lang="en-US" dirty="0" smtClean="0"/>
+              <a:t>.</a:t>
             </a:r>
             <a:endParaRPr lang="en-US" dirty="0"/>
           </a:p>
         </p:txBody>
       </p:sp>
-      <p:sp>
-        <p:nvSpPr>
-          <p:cNvPr id="3" name="Content Placeholder 2"/>
-          <p:cNvSpPr>
-            <a:spLocks noGrp="1"/>
-          </p:cNvSpPr>
+      <p:pic>
+        <p:nvPicPr>
+          <p:cNvPr id="4" name="Content Placeholder 3" descr="local_fully_assisted_matrix.pdf"/>
+          <p:cNvPicPr>
+            <a:picLocks noGrp="1" noChangeAspect="1"/>
+          </p:cNvPicPr>
           <p:nvPr>
             <p:ph idx="1"/>
           </p:nvPr>
-        </p:nvSpPr>
-        <p:spPr/>
-        <p:txBody>
-          <a:bodyPr/>
-          <a:lstStyle/>
-          <a:p>
-            <a:endParaRPr lang="en-US"/>
-          </a:p>
-        </p:txBody>
-      </p:sp>
+        </p:nvPicPr>
+        <p:blipFill rotWithShape="1">
+          <a:blip r:embed="rId2">
+            <a:extLst>
+              <a:ext uri="{28A0092B-C50C-407E-A947-70E740481C1C}">
+                <a14:useLocalDpi xmlns:a14="http://schemas.microsoft.com/office/drawing/2010/main" val="0"/>
+              </a:ext>
+            </a:extLst>
+          </a:blip>
+          <a:srcRect t="-3145" b="-3145"/>
+          <a:stretch/>
+        </p:blipFill>
+        <p:spPr/>
+      </p:pic>
     </p:spTree>
     <p:extLst>
       <p:ext uri="{BB962C8B-B14F-4D97-AF65-F5344CB8AC3E}">
-        <p14:creationId xmlns:p14="http://schemas.microsoft.com/office/powerpoint/2010/main" val="1141723089"/>
+        <p14:creationId xmlns:p14="http://schemas.microsoft.com/office/powerpoint/2010/main" val="2602457989"/>
       </p:ext>
     </p:extLst>
   </p:cSld>
@@ -7618,35 +7684,39 @@
           <a:p>
             <a:r>
               <a:rPr lang="en-US" dirty="0" smtClean="0"/>
-              <a:t>cloud</a:t>
+              <a:t>Fully Assisted Mandelbrot</a:t>
             </a:r>
             <a:endParaRPr lang="en-US" dirty="0"/>
           </a:p>
         </p:txBody>
       </p:sp>
-      <p:sp>
-        <p:nvSpPr>
-          <p:cNvPr id="3" name="Content Placeholder 2"/>
-          <p:cNvSpPr>
-            <a:spLocks noGrp="1"/>
-          </p:cNvSpPr>
+      <p:pic>
+        <p:nvPicPr>
+          <p:cNvPr id="4" name="Content Placeholder 3" descr="local_fully_assited_mandelbrot.pdf"/>
+          <p:cNvPicPr>
+            <a:picLocks noGrp="1" noChangeAspect="1"/>
+          </p:cNvPicPr>
           <p:nvPr>
             <p:ph idx="1"/>
           </p:nvPr>
-        </p:nvSpPr>
-        <p:spPr/>
-        <p:txBody>
-          <a:bodyPr/>
-          <a:lstStyle/>
-          <a:p>
-            <a:endParaRPr lang="en-US"/>
-          </a:p>
-        </p:txBody>
-      </p:sp>
+        </p:nvPicPr>
+        <p:blipFill rotWithShape="1">
+          <a:blip r:embed="rId2">
+            <a:extLst>
+              <a:ext uri="{28A0092B-C50C-407E-A947-70E740481C1C}">
+                <a14:useLocalDpi xmlns:a14="http://schemas.microsoft.com/office/drawing/2010/main" val="0"/>
+              </a:ext>
+            </a:extLst>
+          </a:blip>
+          <a:srcRect t="-1750" b="-1750"/>
+          <a:stretch/>
+        </p:blipFill>
+        <p:spPr/>
+      </p:pic>
     </p:spTree>
     <p:extLst>
       <p:ext uri="{BB962C8B-B14F-4D97-AF65-F5344CB8AC3E}">
-        <p14:creationId xmlns:p14="http://schemas.microsoft.com/office/powerpoint/2010/main" val="886036096"/>
+        <p14:creationId xmlns:p14="http://schemas.microsoft.com/office/powerpoint/2010/main" val="3870610882"/>
       </p:ext>
     </p:extLst>
   </p:cSld>
@@ -7690,35 +7760,39 @@
           <a:p>
             <a:r>
               <a:rPr lang="en-US" dirty="0" smtClean="0"/>
-              <a:t>Hybrid</a:t>
+              <a:t>Local partly assisted setup</a:t>
             </a:r>
             <a:endParaRPr lang="en-US" dirty="0"/>
           </a:p>
         </p:txBody>
       </p:sp>
-      <p:sp>
-        <p:nvSpPr>
-          <p:cNvPr id="3" name="Content Placeholder 2"/>
-          <p:cNvSpPr>
-            <a:spLocks noGrp="1"/>
-          </p:cNvSpPr>
+      <p:pic>
+        <p:nvPicPr>
+          <p:cNvPr id="6" name="Content Placeholder 5" descr="partly_assisted.pdf"/>
+          <p:cNvPicPr>
+            <a:picLocks noGrp="1" noChangeAspect="1"/>
+          </p:cNvPicPr>
           <p:nvPr>
             <p:ph idx="1"/>
           </p:nvPr>
-        </p:nvSpPr>
-        <p:spPr/>
-        <p:txBody>
-          <a:bodyPr/>
-          <a:lstStyle/>
-          <a:p>
-            <a:endParaRPr lang="en-US"/>
-          </a:p>
-        </p:txBody>
-      </p:sp>
+        </p:nvPicPr>
+        <p:blipFill rotWithShape="1">
+          <a:blip r:embed="rId2">
+            <a:extLst>
+              <a:ext uri="{28A0092B-C50C-407E-A947-70E740481C1C}">
+                <a14:useLocalDpi xmlns:a14="http://schemas.microsoft.com/office/drawing/2010/main" val="0"/>
+              </a:ext>
+            </a:extLst>
+          </a:blip>
+          <a:srcRect t="-28509" b="-28509"/>
+          <a:stretch/>
+        </p:blipFill>
+        <p:spPr/>
+      </p:pic>
     </p:spTree>
     <p:extLst>
       <p:ext uri="{BB962C8B-B14F-4D97-AF65-F5344CB8AC3E}">
-        <p14:creationId xmlns:p14="http://schemas.microsoft.com/office/powerpoint/2010/main" val="2148316696"/>
+        <p14:creationId xmlns:p14="http://schemas.microsoft.com/office/powerpoint/2010/main" val="1141723089"/>
       </p:ext>
     </p:extLst>
   </p:cSld>
@@ -7747,7 +7821,7 @@
       </p:grpSpPr>
       <p:sp>
         <p:nvSpPr>
-          <p:cNvPr id="4" name="Title 3"/>
+          <p:cNvPr id="2" name="Title 1"/>
           <p:cNvSpPr>
             <a:spLocks noGrp="1"/>
           </p:cNvSpPr>
@@ -7762,35 +7836,47 @@
           <a:p>
             <a:r>
               <a:rPr lang="en-US" dirty="0" smtClean="0"/>
-              <a:t>Demo</a:t>
+              <a:t>Partly assisted matrix </a:t>
+            </a:r>
+            <a:r>
+              <a:rPr lang="en-US" dirty="0" err="1" smtClean="0"/>
+              <a:t>Mult</a:t>
+            </a:r>
+            <a:r>
+              <a:rPr lang="en-US" dirty="0" smtClean="0"/>
+              <a:t>.</a:t>
             </a:r>
             <a:endParaRPr lang="en-US" dirty="0"/>
           </a:p>
         </p:txBody>
       </p:sp>
-      <p:sp>
-        <p:nvSpPr>
-          <p:cNvPr id="5" name="Text Placeholder 4"/>
-          <p:cNvSpPr>
-            <a:spLocks noGrp="1"/>
-          </p:cNvSpPr>
-          <p:nvPr>
-            <p:ph type="body" idx="1"/>
-          </p:nvPr>
-        </p:nvSpPr>
-        <p:spPr/>
-        <p:txBody>
-          <a:bodyPr/>
-          <a:lstStyle/>
-          <a:p>
-            <a:endParaRPr lang="en-US"/>
-          </a:p>
-        </p:txBody>
-      </p:sp>
+      <p:pic>
+        <p:nvPicPr>
+          <p:cNvPr id="4" name="Content Placeholder 3" descr="local_partially_assisted_matrix.pdf"/>
+          <p:cNvPicPr>
+            <a:picLocks noGrp="1" noChangeAspect="1"/>
+          </p:cNvPicPr>
+          <p:nvPr>
+            <p:ph idx="1"/>
+          </p:nvPr>
+        </p:nvPicPr>
+        <p:blipFill rotWithShape="1">
+          <a:blip r:embed="rId2">
+            <a:extLst>
+              <a:ext uri="{28A0092B-C50C-407E-A947-70E740481C1C}">
+                <a14:useLocalDpi xmlns:a14="http://schemas.microsoft.com/office/drawing/2010/main" val="0"/>
+              </a:ext>
+            </a:extLst>
+          </a:blip>
+          <a:srcRect l="-2959" r="-2959"/>
+          <a:stretch/>
+        </p:blipFill>
+        <p:spPr/>
+      </p:pic>
     </p:spTree>
     <p:extLst>
       <p:ext uri="{BB962C8B-B14F-4D97-AF65-F5344CB8AC3E}">
-        <p14:creationId xmlns:p14="http://schemas.microsoft.com/office/powerpoint/2010/main" val="3250507882"/>
+        <p14:creationId xmlns:p14="http://schemas.microsoft.com/office/powerpoint/2010/main" val="3852662549"/>
       </p:ext>
     </p:extLst>
   </p:cSld>
@@ -7834,6 +7920,782 @@
           <a:p>
             <a:r>
               <a:rPr lang="en-US" dirty="0" smtClean="0"/>
+              <a:t>Partly assisted </a:t>
+            </a:r>
+            <a:r>
+              <a:rPr lang="en-US" dirty="0" err="1" smtClean="0"/>
+              <a:t>mandelbrot</a:t>
+            </a:r>
+            <a:endParaRPr lang="en-US" dirty="0"/>
+          </a:p>
+        </p:txBody>
+      </p:sp>
+      <p:pic>
+        <p:nvPicPr>
+          <p:cNvPr id="4" name="Content Placeholder 3" descr="local_partially_assisted_mandelbrot.pdf"/>
+          <p:cNvPicPr>
+            <a:picLocks noGrp="1" noChangeAspect="1"/>
+          </p:cNvPicPr>
+          <p:nvPr>
+            <p:ph idx="1"/>
+          </p:nvPr>
+        </p:nvPicPr>
+        <p:blipFill rotWithShape="1">
+          <a:blip r:embed="rId2">
+            <a:extLst>
+              <a:ext uri="{28A0092B-C50C-407E-A947-70E740481C1C}">
+                <a14:useLocalDpi xmlns:a14="http://schemas.microsoft.com/office/drawing/2010/main" val="0"/>
+              </a:ext>
+            </a:extLst>
+          </a:blip>
+          <a:srcRect l="-4594" r="-4594"/>
+          <a:stretch/>
+        </p:blipFill>
+        <p:spPr/>
+      </p:pic>
+    </p:spTree>
+    <p:extLst>
+      <p:ext uri="{BB962C8B-B14F-4D97-AF65-F5344CB8AC3E}">
+        <p14:creationId xmlns:p14="http://schemas.microsoft.com/office/powerpoint/2010/main" val="620740824"/>
+      </p:ext>
+    </p:extLst>
+  </p:cSld>
+  <p:clrMapOvr>
+    <a:masterClrMapping/>
+  </p:clrMapOvr>
+</p:sld>
+</file>
+
+<file path=ppt/slides/slide39.xml><?xml version="1.0" encoding="utf-8"?>
+<p:sld xmlns:a="http://schemas.openxmlformats.org/drawingml/2006/main" xmlns:r="http://schemas.openxmlformats.org/officeDocument/2006/relationships" xmlns:p="http://schemas.openxmlformats.org/presentationml/2006/main">
+  <p:cSld>
+    <p:spTree>
+      <p:nvGrpSpPr>
+        <p:cNvPr id="1" name=""/>
+        <p:cNvGrpSpPr/>
+        <p:nvPr/>
+      </p:nvGrpSpPr>
+      <p:grpSpPr>
+        <a:xfrm>
+          <a:off x="0" y="0"/>
+          <a:ext cx="0" cy="0"/>
+          <a:chOff x="0" y="0"/>
+          <a:chExt cx="0" cy="0"/>
+        </a:xfrm>
+      </p:grpSpPr>
+      <p:sp>
+        <p:nvSpPr>
+          <p:cNvPr id="2" name="Title 1"/>
+          <p:cNvSpPr>
+            <a:spLocks noGrp="1"/>
+          </p:cNvSpPr>
+          <p:nvPr>
+            <p:ph type="title"/>
+          </p:nvPr>
+        </p:nvSpPr>
+        <p:spPr/>
+        <p:txBody>
+          <a:bodyPr/>
+          <a:lstStyle/>
+          <a:p>
+            <a:r>
+              <a:rPr lang="en-US" dirty="0" err="1" smtClean="0"/>
+              <a:t>ClouD</a:t>
+            </a:r>
+            <a:endParaRPr lang="en-US" dirty="0"/>
+          </a:p>
+        </p:txBody>
+      </p:sp>
+      <p:pic>
+        <p:nvPicPr>
+          <p:cNvPr id="8" name="Content Placeholder 7" descr="cloud.pdf"/>
+          <p:cNvPicPr>
+            <a:picLocks noGrp="1" noChangeAspect="1"/>
+          </p:cNvPicPr>
+          <p:nvPr>
+            <p:ph idx="1"/>
+          </p:nvPr>
+        </p:nvPicPr>
+        <p:blipFill rotWithShape="1">
+          <a:blip r:embed="rId2">
+            <a:extLst>
+              <a:ext uri="{28A0092B-C50C-407E-A947-70E740481C1C}">
+                <a14:useLocalDpi xmlns:a14="http://schemas.microsoft.com/office/drawing/2010/main" val="0"/>
+              </a:ext>
+            </a:extLst>
+          </a:blip>
+          <a:srcRect t="-5519" b="-5519"/>
+          <a:stretch/>
+        </p:blipFill>
+        <p:spPr/>
+      </p:pic>
+    </p:spTree>
+    <p:extLst>
+      <p:ext uri="{BB962C8B-B14F-4D97-AF65-F5344CB8AC3E}">
+        <p14:creationId xmlns:p14="http://schemas.microsoft.com/office/powerpoint/2010/main" val="886036096"/>
+      </p:ext>
+    </p:extLst>
+  </p:cSld>
+  <p:clrMapOvr>
+    <a:masterClrMapping/>
+  </p:clrMapOvr>
+</p:sld>
+</file>
+
+<file path=ppt/slides/slide4.xml><?xml version="1.0" encoding="utf-8"?>
+<p:sld xmlns:a="http://schemas.openxmlformats.org/drawingml/2006/main" xmlns:r="http://schemas.openxmlformats.org/officeDocument/2006/relationships" xmlns:p="http://schemas.openxmlformats.org/presentationml/2006/main">
+  <p:cSld>
+    <p:spTree>
+      <p:nvGrpSpPr>
+        <p:cNvPr id="1" name=""/>
+        <p:cNvGrpSpPr/>
+        <p:nvPr/>
+      </p:nvGrpSpPr>
+      <p:grpSpPr>
+        <a:xfrm>
+          <a:off x="0" y="0"/>
+          <a:ext cx="0" cy="0"/>
+          <a:chOff x="0" y="0"/>
+          <a:chExt cx="0" cy="0"/>
+        </a:xfrm>
+      </p:grpSpPr>
+      <p:sp>
+        <p:nvSpPr>
+          <p:cNvPr id="2" name="Title 1"/>
+          <p:cNvSpPr>
+            <a:spLocks noGrp="1"/>
+          </p:cNvSpPr>
+          <p:nvPr>
+            <p:ph type="title"/>
+          </p:nvPr>
+        </p:nvSpPr>
+        <p:spPr/>
+        <p:txBody>
+          <a:bodyPr/>
+          <a:lstStyle/>
+          <a:p>
+            <a:r>
+              <a:rPr lang="en-US" dirty="0" smtClean="0"/>
+              <a:t>Computational complexity</a:t>
+            </a:r>
+            <a:endParaRPr lang="en-US" dirty="0"/>
+          </a:p>
+        </p:txBody>
+      </p:sp>
+      <p:sp>
+        <p:nvSpPr>
+          <p:cNvPr id="3" name="Content Placeholder 2"/>
+          <p:cNvSpPr>
+            <a:spLocks noGrp="1"/>
+          </p:cNvSpPr>
+          <p:nvPr>
+            <p:ph idx="1"/>
+          </p:nvPr>
+        </p:nvSpPr>
+        <p:spPr/>
+        <p:txBody>
+          <a:bodyPr/>
+          <a:lstStyle/>
+          <a:p>
+            <a:pPr marL="342900" indent="-342900">
+              <a:buFont typeface="Arial"/>
+              <a:buChar char="•"/>
+            </a:pPr>
+            <a:r>
+              <a:rPr lang="en-US" dirty="0" smtClean="0"/>
+              <a:t>Certain computations can not be efficiently computed on a single machine</a:t>
+            </a:r>
+          </a:p>
+          <a:p>
+            <a:pPr marL="342900" indent="-342900">
+              <a:buFont typeface="Arial"/>
+              <a:buChar char="•"/>
+            </a:pPr>
+            <a:r>
+              <a:rPr lang="en-US" dirty="0" smtClean="0"/>
+              <a:t>Single-threaded code </a:t>
+            </a:r>
+            <a:r>
+              <a:rPr lang="en-US" dirty="0" smtClean="0">
+                <a:sym typeface="Wingdings"/>
+              </a:rPr>
+              <a:t> Multi-threaded code  Distributed code</a:t>
+            </a:r>
+            <a:endParaRPr lang="en-US" dirty="0" smtClean="0"/>
+          </a:p>
+          <a:p>
+            <a:pPr marL="342900" indent="-342900">
+              <a:buFont typeface="Arial"/>
+              <a:buChar char="•"/>
+            </a:pPr>
+            <a:r>
+              <a:rPr lang="en-US" dirty="0" smtClean="0"/>
+              <a:t>Code complexity increases drastically</a:t>
+            </a:r>
+          </a:p>
+          <a:p>
+            <a:pPr marL="342900" indent="-342900">
+              <a:buFont typeface="Arial"/>
+              <a:buChar char="•"/>
+            </a:pPr>
+            <a:endParaRPr lang="en-US" dirty="0" smtClean="0"/>
+          </a:p>
+          <a:p>
+            <a:r>
+              <a:rPr lang="en-US" dirty="0" smtClean="0"/>
+              <a:t>Related Technologies: </a:t>
+            </a:r>
+            <a:r>
+              <a:rPr lang="en-US" dirty="0" err="1" smtClean="0"/>
+              <a:t>MapReduce</a:t>
+            </a:r>
+            <a:r>
+              <a:rPr lang="en-US" dirty="0" smtClean="0"/>
+              <a:t>, </a:t>
+            </a:r>
+            <a:r>
+              <a:rPr lang="en-US" dirty="0" err="1" smtClean="0"/>
+              <a:t>OpenMP</a:t>
+            </a:r>
+            <a:r>
+              <a:rPr lang="en-US" dirty="0" smtClean="0"/>
+              <a:t>, MPI, CUDA, </a:t>
+            </a:r>
+            <a:r>
+              <a:rPr lang="en-US" dirty="0" err="1" smtClean="0"/>
+              <a:t>OpenCL</a:t>
+            </a:r>
+            <a:endParaRPr lang="en-US" dirty="0"/>
+          </a:p>
+        </p:txBody>
+      </p:sp>
+    </p:spTree>
+    <p:extLst>
+      <p:ext uri="{BB962C8B-B14F-4D97-AF65-F5344CB8AC3E}">
+        <p14:creationId xmlns:p14="http://schemas.microsoft.com/office/powerpoint/2010/main" val="3646871065"/>
+      </p:ext>
+    </p:extLst>
+  </p:cSld>
+  <p:clrMapOvr>
+    <a:masterClrMapping/>
+  </p:clrMapOvr>
+</p:sld>
+</file>
+
+<file path=ppt/slides/slide40.xml><?xml version="1.0" encoding="utf-8"?>
+<p:sld xmlns:a="http://schemas.openxmlformats.org/drawingml/2006/main" xmlns:r="http://schemas.openxmlformats.org/officeDocument/2006/relationships" xmlns:p="http://schemas.openxmlformats.org/presentationml/2006/main">
+  <p:cSld>
+    <p:spTree>
+      <p:nvGrpSpPr>
+        <p:cNvPr id="1" name=""/>
+        <p:cNvGrpSpPr/>
+        <p:nvPr/>
+      </p:nvGrpSpPr>
+      <p:grpSpPr>
+        <a:xfrm>
+          <a:off x="0" y="0"/>
+          <a:ext cx="0" cy="0"/>
+          <a:chOff x="0" y="0"/>
+          <a:chExt cx="0" cy="0"/>
+        </a:xfrm>
+      </p:grpSpPr>
+      <p:sp>
+        <p:nvSpPr>
+          <p:cNvPr id="2" name="Title 1"/>
+          <p:cNvSpPr>
+            <a:spLocks noGrp="1"/>
+          </p:cNvSpPr>
+          <p:nvPr>
+            <p:ph type="title"/>
+          </p:nvPr>
+        </p:nvSpPr>
+        <p:spPr/>
+        <p:txBody>
+          <a:bodyPr/>
+          <a:lstStyle/>
+          <a:p>
+            <a:r>
+              <a:rPr lang="en-US" dirty="0" smtClean="0"/>
+              <a:t>Cloud matrix </a:t>
+            </a:r>
+            <a:r>
+              <a:rPr lang="en-US" dirty="0" err="1" smtClean="0"/>
+              <a:t>mult</a:t>
+            </a:r>
+            <a:r>
+              <a:rPr lang="en-US" dirty="0" smtClean="0"/>
+              <a:t>. </a:t>
+            </a:r>
+            <a:endParaRPr lang="en-US" dirty="0"/>
+          </a:p>
+        </p:txBody>
+      </p:sp>
+      <p:pic>
+        <p:nvPicPr>
+          <p:cNvPr id="4" name="Content Placeholder 3" descr="ec2_gpu_matrix.pdf"/>
+          <p:cNvPicPr>
+            <a:picLocks noGrp="1" noChangeAspect="1"/>
+          </p:cNvPicPr>
+          <p:nvPr>
+            <p:ph idx="1"/>
+          </p:nvPr>
+        </p:nvPicPr>
+        <p:blipFill rotWithShape="1">
+          <a:blip r:embed="rId2">
+            <a:extLst>
+              <a:ext uri="{28A0092B-C50C-407E-A947-70E740481C1C}">
+                <a14:useLocalDpi xmlns:a14="http://schemas.microsoft.com/office/drawing/2010/main" val="0"/>
+              </a:ext>
+            </a:extLst>
+          </a:blip>
+          <a:srcRect t="-8051" b="-8051"/>
+          <a:stretch/>
+        </p:blipFill>
+        <p:spPr/>
+      </p:pic>
+    </p:spTree>
+    <p:extLst>
+      <p:ext uri="{BB962C8B-B14F-4D97-AF65-F5344CB8AC3E}">
+        <p14:creationId xmlns:p14="http://schemas.microsoft.com/office/powerpoint/2010/main" val="4219627522"/>
+      </p:ext>
+    </p:extLst>
+  </p:cSld>
+  <p:clrMapOvr>
+    <a:masterClrMapping/>
+  </p:clrMapOvr>
+</p:sld>
+</file>
+
+<file path=ppt/slides/slide41.xml><?xml version="1.0" encoding="utf-8"?>
+<p:sld xmlns:a="http://schemas.openxmlformats.org/drawingml/2006/main" xmlns:r="http://schemas.openxmlformats.org/officeDocument/2006/relationships" xmlns:p="http://schemas.openxmlformats.org/presentationml/2006/main">
+  <p:cSld>
+    <p:spTree>
+      <p:nvGrpSpPr>
+        <p:cNvPr id="1" name=""/>
+        <p:cNvGrpSpPr/>
+        <p:nvPr/>
+      </p:nvGrpSpPr>
+      <p:grpSpPr>
+        <a:xfrm>
+          <a:off x="0" y="0"/>
+          <a:ext cx="0" cy="0"/>
+          <a:chOff x="0" y="0"/>
+          <a:chExt cx="0" cy="0"/>
+        </a:xfrm>
+      </p:grpSpPr>
+      <p:sp>
+        <p:nvSpPr>
+          <p:cNvPr id="2" name="Title 1"/>
+          <p:cNvSpPr>
+            <a:spLocks noGrp="1"/>
+          </p:cNvSpPr>
+          <p:nvPr>
+            <p:ph type="title"/>
+          </p:nvPr>
+        </p:nvSpPr>
+        <p:spPr/>
+        <p:txBody>
+          <a:bodyPr/>
+          <a:lstStyle/>
+          <a:p>
+            <a:r>
+              <a:rPr lang="en-US" dirty="0" smtClean="0"/>
+              <a:t>Cloud </a:t>
+            </a:r>
+            <a:r>
+              <a:rPr lang="en-US" dirty="0" err="1" smtClean="0"/>
+              <a:t>mandelbrot</a:t>
+            </a:r>
+            <a:endParaRPr lang="en-US" dirty="0"/>
+          </a:p>
+        </p:txBody>
+      </p:sp>
+      <p:pic>
+        <p:nvPicPr>
+          <p:cNvPr id="6" name="Content Placeholder 5" descr="ec2_gpu_mandelbrot.pdf"/>
+          <p:cNvPicPr>
+            <a:picLocks noGrp="1" noChangeAspect="1"/>
+          </p:cNvPicPr>
+          <p:nvPr>
+            <p:ph idx="1"/>
+          </p:nvPr>
+        </p:nvPicPr>
+        <p:blipFill rotWithShape="1">
+          <a:blip r:embed="rId2">
+            <a:extLst>
+              <a:ext uri="{28A0092B-C50C-407E-A947-70E740481C1C}">
+                <a14:useLocalDpi xmlns:a14="http://schemas.microsoft.com/office/drawing/2010/main" val="0"/>
+              </a:ext>
+            </a:extLst>
+          </a:blip>
+          <a:srcRect t="-7010" b="-7010"/>
+          <a:stretch/>
+        </p:blipFill>
+        <p:spPr/>
+      </p:pic>
+    </p:spTree>
+    <p:extLst>
+      <p:ext uri="{BB962C8B-B14F-4D97-AF65-F5344CB8AC3E}">
+        <p14:creationId xmlns:p14="http://schemas.microsoft.com/office/powerpoint/2010/main" val="3245445482"/>
+      </p:ext>
+    </p:extLst>
+  </p:cSld>
+  <p:clrMapOvr>
+    <a:masterClrMapping/>
+  </p:clrMapOvr>
+</p:sld>
+</file>
+
+<file path=ppt/slides/slide42.xml><?xml version="1.0" encoding="utf-8"?>
+<p:sld xmlns:a="http://schemas.openxmlformats.org/drawingml/2006/main" xmlns:r="http://schemas.openxmlformats.org/officeDocument/2006/relationships" xmlns:p="http://schemas.openxmlformats.org/presentationml/2006/main">
+  <p:cSld>
+    <p:spTree>
+      <p:nvGrpSpPr>
+        <p:cNvPr id="1" name=""/>
+        <p:cNvGrpSpPr/>
+        <p:nvPr/>
+      </p:nvGrpSpPr>
+      <p:grpSpPr>
+        <a:xfrm>
+          <a:off x="0" y="0"/>
+          <a:ext cx="0" cy="0"/>
+          <a:chOff x="0" y="0"/>
+          <a:chExt cx="0" cy="0"/>
+        </a:xfrm>
+      </p:grpSpPr>
+      <p:sp>
+        <p:nvSpPr>
+          <p:cNvPr id="2" name="Title 1"/>
+          <p:cNvSpPr>
+            <a:spLocks noGrp="1"/>
+          </p:cNvSpPr>
+          <p:nvPr>
+            <p:ph type="title"/>
+          </p:nvPr>
+        </p:nvSpPr>
+        <p:spPr/>
+        <p:txBody>
+          <a:bodyPr/>
+          <a:lstStyle/>
+          <a:p>
+            <a:r>
+              <a:rPr lang="en-US" dirty="0" smtClean="0"/>
+              <a:t>Hybrid</a:t>
+            </a:r>
+            <a:endParaRPr lang="en-US" dirty="0"/>
+          </a:p>
+        </p:txBody>
+      </p:sp>
+      <p:pic>
+        <p:nvPicPr>
+          <p:cNvPr id="4" name="Content Placeholder 3" descr="hybrid.pdf"/>
+          <p:cNvPicPr>
+            <a:picLocks noGrp="1" noChangeAspect="1"/>
+          </p:cNvPicPr>
+          <p:nvPr>
+            <p:ph idx="1"/>
+          </p:nvPr>
+        </p:nvPicPr>
+        <p:blipFill rotWithShape="1">
+          <a:blip r:embed="rId2">
+            <a:extLst>
+              <a:ext uri="{28A0092B-C50C-407E-A947-70E740481C1C}">
+                <a14:useLocalDpi xmlns:a14="http://schemas.microsoft.com/office/drawing/2010/main" val="0"/>
+              </a:ext>
+            </a:extLst>
+          </a:blip>
+          <a:srcRect l="-82" r="-82"/>
+          <a:stretch/>
+        </p:blipFill>
+        <p:spPr/>
+      </p:pic>
+    </p:spTree>
+    <p:extLst>
+      <p:ext uri="{BB962C8B-B14F-4D97-AF65-F5344CB8AC3E}">
+        <p14:creationId xmlns:p14="http://schemas.microsoft.com/office/powerpoint/2010/main" val="2148316696"/>
+      </p:ext>
+    </p:extLst>
+  </p:cSld>
+  <p:clrMapOvr>
+    <a:masterClrMapping/>
+  </p:clrMapOvr>
+</p:sld>
+</file>
+
+<file path=ppt/slides/slide43.xml><?xml version="1.0" encoding="utf-8"?>
+<p:sld xmlns:a="http://schemas.openxmlformats.org/drawingml/2006/main" xmlns:r="http://schemas.openxmlformats.org/officeDocument/2006/relationships" xmlns:p="http://schemas.openxmlformats.org/presentationml/2006/main">
+  <p:cSld>
+    <p:spTree>
+      <p:nvGrpSpPr>
+        <p:cNvPr id="1" name=""/>
+        <p:cNvGrpSpPr/>
+        <p:nvPr/>
+      </p:nvGrpSpPr>
+      <p:grpSpPr>
+        <a:xfrm>
+          <a:off x="0" y="0"/>
+          <a:ext cx="0" cy="0"/>
+          <a:chOff x="0" y="0"/>
+          <a:chExt cx="0" cy="0"/>
+        </a:xfrm>
+      </p:grpSpPr>
+      <p:sp>
+        <p:nvSpPr>
+          <p:cNvPr id="2" name="Title 1"/>
+          <p:cNvSpPr>
+            <a:spLocks noGrp="1"/>
+          </p:cNvSpPr>
+          <p:nvPr>
+            <p:ph type="title"/>
+          </p:nvPr>
+        </p:nvSpPr>
+        <p:spPr/>
+        <p:txBody>
+          <a:bodyPr/>
+          <a:lstStyle/>
+          <a:p>
+            <a:r>
+              <a:rPr lang="en-US" dirty="0" smtClean="0"/>
+              <a:t>Hybrid matrix </a:t>
+            </a:r>
+            <a:r>
+              <a:rPr lang="en-US" dirty="0" err="1" smtClean="0"/>
+              <a:t>mult</a:t>
+            </a:r>
+            <a:r>
+              <a:rPr lang="en-US" dirty="0" smtClean="0"/>
+              <a:t>.</a:t>
+            </a:r>
+            <a:endParaRPr lang="en-US" dirty="0"/>
+          </a:p>
+        </p:txBody>
+      </p:sp>
+      <p:pic>
+        <p:nvPicPr>
+          <p:cNvPr id="5" name="Content Placeholder 4" descr="hybrid_matrix.pdf"/>
+          <p:cNvPicPr>
+            <a:picLocks noGrp="1" noChangeAspect="1"/>
+          </p:cNvPicPr>
+          <p:nvPr>
+            <p:ph idx="1"/>
+          </p:nvPr>
+        </p:nvPicPr>
+        <p:blipFill rotWithShape="1">
+          <a:blip r:embed="rId2">
+            <a:extLst>
+              <a:ext uri="{28A0092B-C50C-407E-A947-70E740481C1C}">
+                <a14:useLocalDpi xmlns:a14="http://schemas.microsoft.com/office/drawing/2010/main" val="0"/>
+              </a:ext>
+            </a:extLst>
+          </a:blip>
+          <a:srcRect t="-670" b="-670"/>
+          <a:stretch/>
+        </p:blipFill>
+        <p:spPr/>
+      </p:pic>
+    </p:spTree>
+    <p:extLst>
+      <p:ext uri="{BB962C8B-B14F-4D97-AF65-F5344CB8AC3E}">
+        <p14:creationId xmlns:p14="http://schemas.microsoft.com/office/powerpoint/2010/main" val="2962685441"/>
+      </p:ext>
+    </p:extLst>
+  </p:cSld>
+  <p:clrMapOvr>
+    <a:masterClrMapping/>
+  </p:clrMapOvr>
+</p:sld>
+</file>
+
+<file path=ppt/slides/slide44.xml><?xml version="1.0" encoding="utf-8"?>
+<p:sld xmlns:a="http://schemas.openxmlformats.org/drawingml/2006/main" xmlns:r="http://schemas.openxmlformats.org/officeDocument/2006/relationships" xmlns:p="http://schemas.openxmlformats.org/presentationml/2006/main">
+  <p:cSld>
+    <p:spTree>
+      <p:nvGrpSpPr>
+        <p:cNvPr id="1" name=""/>
+        <p:cNvGrpSpPr/>
+        <p:nvPr/>
+      </p:nvGrpSpPr>
+      <p:grpSpPr>
+        <a:xfrm>
+          <a:off x="0" y="0"/>
+          <a:ext cx="0" cy="0"/>
+          <a:chOff x="0" y="0"/>
+          <a:chExt cx="0" cy="0"/>
+        </a:xfrm>
+      </p:grpSpPr>
+      <p:sp>
+        <p:nvSpPr>
+          <p:cNvPr id="2" name="Title 1"/>
+          <p:cNvSpPr>
+            <a:spLocks noGrp="1"/>
+          </p:cNvSpPr>
+          <p:nvPr>
+            <p:ph type="title"/>
+          </p:nvPr>
+        </p:nvSpPr>
+        <p:spPr/>
+        <p:txBody>
+          <a:bodyPr/>
+          <a:lstStyle/>
+          <a:p>
+            <a:r>
+              <a:rPr lang="en-US" dirty="0" smtClean="0"/>
+              <a:t>Hybrid </a:t>
+            </a:r>
+            <a:r>
+              <a:rPr lang="en-US" dirty="0" err="1" smtClean="0"/>
+              <a:t>mandelbrot</a:t>
+            </a:r>
+            <a:endParaRPr lang="en-US" dirty="0"/>
+          </a:p>
+        </p:txBody>
+      </p:sp>
+      <p:pic>
+        <p:nvPicPr>
+          <p:cNvPr id="4" name="Content Placeholder 3" descr="hybrid_mandelbrot.pdf"/>
+          <p:cNvPicPr>
+            <a:picLocks noGrp="1" noChangeAspect="1"/>
+          </p:cNvPicPr>
+          <p:nvPr>
+            <p:ph idx="1"/>
+          </p:nvPr>
+        </p:nvPicPr>
+        <p:blipFill rotWithShape="1">
+          <a:blip r:embed="rId2">
+            <a:extLst>
+              <a:ext uri="{28A0092B-C50C-407E-A947-70E740481C1C}">
+                <a14:useLocalDpi xmlns:a14="http://schemas.microsoft.com/office/drawing/2010/main" val="0"/>
+              </a:ext>
+            </a:extLst>
+          </a:blip>
+          <a:srcRect l="-1244" r="-1244"/>
+          <a:stretch/>
+        </p:blipFill>
+        <p:spPr/>
+      </p:pic>
+    </p:spTree>
+    <p:extLst>
+      <p:ext uri="{BB962C8B-B14F-4D97-AF65-F5344CB8AC3E}">
+        <p14:creationId xmlns:p14="http://schemas.microsoft.com/office/powerpoint/2010/main" val="2722517686"/>
+      </p:ext>
+    </p:extLst>
+  </p:cSld>
+  <p:clrMapOvr>
+    <a:masterClrMapping/>
+  </p:clrMapOvr>
+</p:sld>
+</file>
+
+<file path=ppt/slides/slide45.xml><?xml version="1.0" encoding="utf-8"?>
+<p:sld xmlns:a="http://schemas.openxmlformats.org/drawingml/2006/main" xmlns:r="http://schemas.openxmlformats.org/officeDocument/2006/relationships" xmlns:p="http://schemas.openxmlformats.org/presentationml/2006/main">
+  <p:cSld>
+    <p:spTree>
+      <p:nvGrpSpPr>
+        <p:cNvPr id="1" name=""/>
+        <p:cNvGrpSpPr/>
+        <p:nvPr/>
+      </p:nvGrpSpPr>
+      <p:grpSpPr>
+        <a:xfrm>
+          <a:off x="0" y="0"/>
+          <a:ext cx="0" cy="0"/>
+          <a:chOff x="0" y="0"/>
+          <a:chExt cx="0" cy="0"/>
+        </a:xfrm>
+      </p:grpSpPr>
+      <p:sp>
+        <p:nvSpPr>
+          <p:cNvPr id="2" name="Title 1"/>
+          <p:cNvSpPr>
+            <a:spLocks noGrp="1"/>
+          </p:cNvSpPr>
+          <p:nvPr>
+            <p:ph type="title"/>
+          </p:nvPr>
+        </p:nvSpPr>
+        <p:spPr/>
+        <p:txBody>
+          <a:bodyPr/>
+          <a:lstStyle/>
+          <a:p>
+            <a:r>
+              <a:rPr lang="en-US" dirty="0" smtClean="0"/>
+              <a:t>Hybrid job Suite scheduling</a:t>
+            </a:r>
+            <a:endParaRPr lang="en-US" dirty="0"/>
+          </a:p>
+        </p:txBody>
+      </p:sp>
+      <p:pic>
+        <p:nvPicPr>
+          <p:cNvPr id="14" name="Content Placeholder 13" descr="hybrid_full_compare.pdf"/>
+          <p:cNvPicPr>
+            <a:picLocks noGrp="1" noChangeAspect="1"/>
+          </p:cNvPicPr>
+          <p:nvPr>
+            <p:ph idx="1"/>
+          </p:nvPr>
+        </p:nvPicPr>
+        <p:blipFill rotWithShape="1">
+          <a:blip r:embed="rId2">
+            <a:extLst>
+              <a:ext uri="{28A0092B-C50C-407E-A947-70E740481C1C}">
+                <a14:useLocalDpi xmlns:a14="http://schemas.microsoft.com/office/drawing/2010/main" val="0"/>
+              </a:ext>
+            </a:extLst>
+          </a:blip>
+          <a:srcRect t="-8549" b="-8549"/>
+          <a:stretch/>
+        </p:blipFill>
+        <p:spPr/>
+      </p:pic>
+    </p:spTree>
+    <p:extLst>
+      <p:ext uri="{BB962C8B-B14F-4D97-AF65-F5344CB8AC3E}">
+        <p14:creationId xmlns:p14="http://schemas.microsoft.com/office/powerpoint/2010/main" val="645503609"/>
+      </p:ext>
+    </p:extLst>
+  </p:cSld>
+  <p:clrMapOvr>
+    <a:masterClrMapping/>
+  </p:clrMapOvr>
+</p:sld>
+</file>
+
+<file path=ppt/slides/slide46.xml><?xml version="1.0" encoding="utf-8"?>
+<p:sld xmlns:a="http://schemas.openxmlformats.org/drawingml/2006/main" xmlns:r="http://schemas.openxmlformats.org/officeDocument/2006/relationships" xmlns:p="http://schemas.openxmlformats.org/presentationml/2006/main">
+  <p:cSld>
+    <p:spTree>
+      <p:nvGrpSpPr>
+        <p:cNvPr id="1" name=""/>
+        <p:cNvGrpSpPr/>
+        <p:nvPr/>
+      </p:nvGrpSpPr>
+      <p:grpSpPr>
+        <a:xfrm>
+          <a:off x="0" y="0"/>
+          <a:ext cx="0" cy="0"/>
+          <a:chOff x="0" y="0"/>
+          <a:chExt cx="0" cy="0"/>
+        </a:xfrm>
+      </p:grpSpPr>
+      <p:sp>
+        <p:nvSpPr>
+          <p:cNvPr id="2" name="Title 1"/>
+          <p:cNvSpPr>
+            <a:spLocks noGrp="1"/>
+          </p:cNvSpPr>
+          <p:nvPr>
+            <p:ph type="title"/>
+          </p:nvPr>
+        </p:nvSpPr>
+        <p:spPr/>
+        <p:txBody>
+          <a:bodyPr/>
+          <a:lstStyle/>
+          <a:p>
+            <a:r>
+              <a:rPr lang="en-US" dirty="0" smtClean="0"/>
               <a:t>Future work</a:t>
             </a:r>
             <a:endParaRPr lang="en-US" dirty="0"/>
@@ -7872,7 +8734,7 @@
 </p:sld>
 </file>
 
-<file path=ppt/slides/slide39.xml><?xml version="1.0" encoding="utf-8"?>
+<file path=ppt/slides/slide47.xml><?xml version="1.0" encoding="utf-8"?>
 <p:sld xmlns:a="http://schemas.openxmlformats.org/drawingml/2006/main" xmlns:r="http://schemas.openxmlformats.org/officeDocument/2006/relationships" xmlns:p="http://schemas.openxmlformats.org/presentationml/2006/main">
   <p:cSld>
     <p:spTree>
@@ -7985,147 +8847,7 @@
 </p:sld>
 </file>
 
-<file path=ppt/slides/slide4.xml><?xml version="1.0" encoding="utf-8"?>
-<p:sld xmlns:a="http://schemas.openxmlformats.org/drawingml/2006/main" xmlns:r="http://schemas.openxmlformats.org/officeDocument/2006/relationships" xmlns:p="http://schemas.openxmlformats.org/presentationml/2006/main">
-  <p:cSld>
-    <p:spTree>
-      <p:nvGrpSpPr>
-        <p:cNvPr id="1" name=""/>
-        <p:cNvGrpSpPr/>
-        <p:nvPr/>
-      </p:nvGrpSpPr>
-      <p:grpSpPr>
-        <a:xfrm>
-          <a:off x="0" y="0"/>
-          <a:ext cx="0" cy="0"/>
-          <a:chOff x="0" y="0"/>
-          <a:chExt cx="0" cy="0"/>
-        </a:xfrm>
-      </p:grpSpPr>
-      <p:sp>
-        <p:nvSpPr>
-          <p:cNvPr id="2" name="Title 1"/>
-          <p:cNvSpPr>
-            <a:spLocks noGrp="1"/>
-          </p:cNvSpPr>
-          <p:nvPr>
-            <p:ph type="title"/>
-          </p:nvPr>
-        </p:nvSpPr>
-        <p:spPr/>
-        <p:txBody>
-          <a:bodyPr/>
-          <a:lstStyle/>
-          <a:p>
-            <a:r>
-              <a:rPr lang="en-US" dirty="0" smtClean="0"/>
-              <a:t>Computational complexity</a:t>
-            </a:r>
-            <a:endParaRPr lang="en-US" dirty="0"/>
-          </a:p>
-        </p:txBody>
-      </p:sp>
-      <p:sp>
-        <p:nvSpPr>
-          <p:cNvPr id="3" name="Content Placeholder 2"/>
-          <p:cNvSpPr>
-            <a:spLocks noGrp="1"/>
-          </p:cNvSpPr>
-          <p:nvPr>
-            <p:ph idx="1"/>
-          </p:nvPr>
-        </p:nvSpPr>
-        <p:spPr/>
-        <p:txBody>
-          <a:bodyPr/>
-          <a:lstStyle/>
-          <a:p>
-            <a:pPr marL="342900" indent="-342900">
-              <a:buFont typeface="Arial"/>
-              <a:buChar char="•"/>
-            </a:pPr>
-            <a:r>
-              <a:rPr lang="en-US" dirty="0" smtClean="0"/>
-              <a:t>Certain computations can not be efficiently computed on a single machine</a:t>
-            </a:r>
-          </a:p>
-          <a:p>
-            <a:pPr marL="342900" indent="-342900">
-              <a:buFont typeface="Arial"/>
-              <a:buChar char="•"/>
-            </a:pPr>
-            <a:r>
-              <a:rPr lang="en-US" dirty="0" smtClean="0"/>
-              <a:t>Single-threaded code </a:t>
-            </a:r>
-            <a:r>
-              <a:rPr lang="en-US" dirty="0" smtClean="0">
-                <a:sym typeface="Wingdings"/>
-              </a:rPr>
-              <a:t> Multi-threaded code  Distributed code</a:t>
-            </a:r>
-            <a:endParaRPr lang="en-US" dirty="0" smtClean="0"/>
-          </a:p>
-          <a:p>
-            <a:pPr marL="342900" indent="-342900">
-              <a:buFont typeface="Arial"/>
-              <a:buChar char="•"/>
-            </a:pPr>
-            <a:r>
-              <a:rPr lang="en-US" dirty="0" smtClean="0"/>
-              <a:t>Code complexity increases drastically</a:t>
-            </a:r>
-          </a:p>
-          <a:p>
-            <a:pPr marL="342900" indent="-342900">
-              <a:buFont typeface="Arial"/>
-              <a:buChar char="•"/>
-            </a:pPr>
-            <a:endParaRPr lang="en-US" dirty="0" smtClean="0"/>
-          </a:p>
-          <a:p>
-            <a:r>
-              <a:rPr lang="en-US" dirty="0" smtClean="0"/>
-              <a:t>Related Technologies: </a:t>
-            </a:r>
-            <a:r>
-              <a:rPr lang="en-US" dirty="0" err="1" smtClean="0"/>
-              <a:t>MapReduce</a:t>
-            </a:r>
-            <a:r>
-              <a:rPr lang="en-US" dirty="0" smtClean="0"/>
-              <a:t>, </a:t>
-            </a:r>
-            <a:r>
-              <a:rPr lang="en-US" dirty="0" err="1" smtClean="0"/>
-              <a:t>OpenMP</a:t>
-            </a:r>
-            <a:r>
-              <a:rPr lang="en-US" dirty="0" smtClean="0"/>
-              <a:t>, MPI, CUDA, </a:t>
-            </a:r>
-            <a:r>
-              <a:rPr lang="en-US" dirty="0" err="1" smtClean="0"/>
-              <a:t>OpenCL</a:t>
-            </a:r>
-            <a:endParaRPr lang="en-US" dirty="0"/>
-          </a:p>
-        </p:txBody>
-      </p:sp>
-    </p:spTree>
-    <p:extLst>
-      <p:ext uri="{BB962C8B-B14F-4D97-AF65-F5344CB8AC3E}">
-        <p14:creationId xmlns:p14="http://schemas.microsoft.com/office/powerpoint/2010/main" val="3646871065"/>
-      </p:ext>
-    </p:extLst>
-  </p:cSld>
-  <p:clrMapOvr>
-    <a:masterClrMapping/>
-  </p:clrMapOvr>
-</p:sld>
-</file>
-
-<file path=ppt/slides/slide40.xml><?xml version="1.0" encoding="utf-8"?>
+<file path=ppt/slides/slide48.xml><?xml version="1.0" encoding="utf-8"?>
 <p:sld xmlns:a="http://schemas.openxmlformats.org/drawingml/2006/main" xmlns:r="http://schemas.openxmlformats.org/officeDocument/2006/relationships" xmlns:p="http://schemas.openxmlformats.org/presentationml/2006/main">
   <p:cSld>
     <p:spTree>
@@ -8255,7 +8977,7 @@
 </p:sld>
 </file>
 
-<file path=ppt/slides/slide41.xml><?xml version="1.0" encoding="utf-8"?>
+<file path=ppt/slides/slide49.xml><?xml version="1.0" encoding="utf-8"?>
 <p:sld xmlns:a="http://schemas.openxmlformats.org/drawingml/2006/main" xmlns:r="http://schemas.openxmlformats.org/officeDocument/2006/relationships" xmlns:p="http://schemas.openxmlformats.org/presentationml/2006/main">
   <p:cSld>
     <p:spTree>
@@ -8318,412 +9040,6 @@
     <p:extLst>
       <p:ext uri="{BB962C8B-B14F-4D97-AF65-F5344CB8AC3E}">
         <p14:creationId xmlns:p14="http://schemas.microsoft.com/office/powerpoint/2010/main" val="653152721"/>
-      </p:ext>
-    </p:extLst>
-  </p:cSld>
-  <p:clrMapOvr>
-    <a:masterClrMapping/>
-  </p:clrMapOvr>
-</p:sld>
-</file>
-
-<file path=ppt/slides/slide42.xml><?xml version="1.0" encoding="utf-8"?>
-<p:sld xmlns:a="http://schemas.openxmlformats.org/drawingml/2006/main" xmlns:r="http://schemas.openxmlformats.org/officeDocument/2006/relationships" xmlns:p="http://schemas.openxmlformats.org/presentationml/2006/main">
-  <p:cSld>
-    <p:spTree>
-      <p:nvGrpSpPr>
-        <p:cNvPr id="1" name=""/>
-        <p:cNvGrpSpPr/>
-        <p:nvPr/>
-      </p:nvGrpSpPr>
-      <p:grpSpPr>
-        <a:xfrm>
-          <a:off x="0" y="0"/>
-          <a:ext cx="0" cy="0"/>
-          <a:chOff x="0" y="0"/>
-          <a:chExt cx="0" cy="0"/>
-        </a:xfrm>
-      </p:grpSpPr>
-      <p:sp>
-        <p:nvSpPr>
-          <p:cNvPr id="4" name="Title 3"/>
-          <p:cNvSpPr>
-            <a:spLocks noGrp="1"/>
-          </p:cNvSpPr>
-          <p:nvPr>
-            <p:ph type="title"/>
-          </p:nvPr>
-        </p:nvSpPr>
-        <p:spPr/>
-        <p:txBody>
-          <a:bodyPr/>
-          <a:lstStyle/>
-          <a:p>
-            <a:r>
-              <a:rPr lang="en-US" dirty="0" smtClean="0"/>
-              <a:t>limitations</a:t>
-            </a:r>
-            <a:endParaRPr lang="en-US" dirty="0"/>
-          </a:p>
-        </p:txBody>
-      </p:sp>
-      <p:sp>
-        <p:nvSpPr>
-          <p:cNvPr id="5" name="Content Placeholder 4"/>
-          <p:cNvSpPr>
-            <a:spLocks noGrp="1"/>
-          </p:cNvSpPr>
-          <p:nvPr>
-            <p:ph idx="1"/>
-          </p:nvPr>
-        </p:nvSpPr>
-        <p:spPr/>
-        <p:txBody>
-          <a:bodyPr/>
-          <a:lstStyle/>
-          <a:p>
-            <a:pPr marL="342900" indent="-342900">
-              <a:buFont typeface="Arial"/>
-              <a:buChar char="•"/>
-            </a:pPr>
-            <a:r>
-              <a:rPr lang="en-US" dirty="0" smtClean="0"/>
-              <a:t>Network connection major bottleneck</a:t>
-            </a:r>
-          </a:p>
-          <a:p>
-            <a:pPr marL="342900" indent="-342900">
-              <a:buFont typeface="Arial"/>
-              <a:buChar char="•"/>
-            </a:pPr>
-            <a:r>
-              <a:rPr lang="en-US" dirty="0" smtClean="0"/>
-              <a:t>Limitations of </a:t>
-            </a:r>
-            <a:r>
-              <a:rPr lang="en-US" dirty="0" err="1" smtClean="0"/>
-              <a:t>Aparapi</a:t>
-            </a:r>
-            <a:endParaRPr lang="en-US" dirty="0" smtClean="0"/>
-          </a:p>
-          <a:p>
-            <a:pPr marL="800100" lvl="1" indent="-342900">
-              <a:buFont typeface="Arial"/>
-              <a:buChar char="•"/>
-            </a:pPr>
-            <a:r>
-              <a:rPr lang="en-US" dirty="0" smtClean="0"/>
-              <a:t>Code translation</a:t>
-            </a:r>
-          </a:p>
-          <a:p>
-            <a:pPr marL="800100" lvl="1" indent="-342900">
-              <a:buFont typeface="Arial"/>
-              <a:buChar char="•"/>
-            </a:pPr>
-            <a:r>
-              <a:rPr lang="en-US" dirty="0" smtClean="0"/>
-              <a:t>Device support</a:t>
-            </a:r>
-          </a:p>
-          <a:p>
-            <a:pPr marL="342900" indent="-342900">
-              <a:buFont typeface="Arial"/>
-              <a:buChar char="•"/>
-            </a:pPr>
-            <a:r>
-              <a:rPr lang="en-US" dirty="0" err="1" smtClean="0"/>
-              <a:t>OpenCL</a:t>
-            </a:r>
-            <a:r>
-              <a:rPr lang="en-US" dirty="0" smtClean="0"/>
-              <a:t> device feature set currently ignored by scheduling</a:t>
-            </a:r>
-          </a:p>
-          <a:p>
-            <a:pPr marL="342900" indent="-342900">
-              <a:buFont typeface="Arial"/>
-              <a:buChar char="•"/>
-            </a:pPr>
-            <a:r>
-              <a:rPr lang="en-US" dirty="0" smtClean="0"/>
-              <a:t>Memory may become bottleneck when many jobs are executed in parallel</a:t>
-            </a:r>
-          </a:p>
-          <a:p>
-            <a:pPr marL="342900" indent="-342900">
-              <a:buFont typeface="Arial"/>
-              <a:buChar char="•"/>
-            </a:pPr>
-            <a:endParaRPr lang="en-US" dirty="0"/>
-          </a:p>
-        </p:txBody>
-      </p:sp>
-    </p:spTree>
-    <p:extLst>
-      <p:ext uri="{BB962C8B-B14F-4D97-AF65-F5344CB8AC3E}">
-        <p14:creationId xmlns:p14="http://schemas.microsoft.com/office/powerpoint/2010/main" val="3896321887"/>
-      </p:ext>
-    </p:extLst>
-  </p:cSld>
-  <p:clrMapOvr>
-    <a:masterClrMapping/>
-  </p:clrMapOvr>
-</p:sld>
-</file>
-
-<file path=ppt/slides/slide43.xml><?xml version="1.0" encoding="utf-8"?>
-<p:sld xmlns:a="http://schemas.openxmlformats.org/drawingml/2006/main" xmlns:r="http://schemas.openxmlformats.org/officeDocument/2006/relationships" xmlns:p="http://schemas.openxmlformats.org/presentationml/2006/main">
-  <p:cSld>
-    <p:spTree>
-      <p:nvGrpSpPr>
-        <p:cNvPr id="1" name=""/>
-        <p:cNvGrpSpPr/>
-        <p:nvPr/>
-      </p:nvGrpSpPr>
-      <p:grpSpPr>
-        <a:xfrm>
-          <a:off x="0" y="0"/>
-          <a:ext cx="0" cy="0"/>
-          <a:chOff x="0" y="0"/>
-          <a:chExt cx="0" cy="0"/>
-        </a:xfrm>
-      </p:grpSpPr>
-      <p:sp>
-        <p:nvSpPr>
-          <p:cNvPr id="2" name="Title 1"/>
-          <p:cNvSpPr>
-            <a:spLocks noGrp="1"/>
-          </p:cNvSpPr>
-          <p:nvPr>
-            <p:ph type="title"/>
-          </p:nvPr>
-        </p:nvSpPr>
-        <p:spPr/>
-        <p:txBody>
-          <a:bodyPr/>
-          <a:lstStyle/>
-          <a:p>
-            <a:r>
-              <a:rPr lang="en-US" dirty="0" smtClean="0"/>
-              <a:t>Achievements</a:t>
-            </a:r>
-            <a:endParaRPr lang="en-US" dirty="0"/>
-          </a:p>
-        </p:txBody>
-      </p:sp>
-      <p:sp>
-        <p:nvSpPr>
-          <p:cNvPr id="3" name="Content Placeholder 2"/>
-          <p:cNvSpPr>
-            <a:spLocks noGrp="1"/>
-          </p:cNvSpPr>
-          <p:nvPr>
-            <p:ph idx="1"/>
-          </p:nvPr>
-        </p:nvSpPr>
-        <p:spPr/>
-        <p:txBody>
-          <a:bodyPr/>
-          <a:lstStyle/>
-          <a:p>
-            <a:pPr marL="342900" indent="-342900">
-              <a:buFont typeface="Arial"/>
-              <a:buChar char="•"/>
-            </a:pPr>
-            <a:r>
-              <a:rPr lang="en-US" dirty="0" smtClean="0"/>
-              <a:t>Distributed computations on heterogeneous clusters</a:t>
-            </a:r>
-          </a:p>
-          <a:p>
-            <a:pPr marL="342900" indent="-342900">
-              <a:buFont typeface="Arial"/>
-              <a:buChar char="•"/>
-            </a:pPr>
-            <a:r>
-              <a:rPr lang="en-US" dirty="0" smtClean="0"/>
-              <a:t>Flat learning curve and little code necessary</a:t>
-            </a:r>
-          </a:p>
-          <a:p>
-            <a:pPr marL="342900" indent="-342900">
-              <a:buFont typeface="Arial"/>
-              <a:buChar char="•"/>
-            </a:pPr>
-            <a:r>
-              <a:rPr lang="en-US" dirty="0" smtClean="0"/>
-              <a:t>Cluster size can be dynamically increased by cloud resources</a:t>
-            </a:r>
-          </a:p>
-          <a:p>
-            <a:pPr marL="342900" indent="-342900">
-              <a:buFont typeface="Arial"/>
-              <a:buChar char="•"/>
-            </a:pPr>
-            <a:r>
-              <a:rPr lang="en-US" dirty="0" smtClean="0"/>
-              <a:t>Scheduling architecture adaptable to various use cases</a:t>
-            </a:r>
-          </a:p>
-          <a:p>
-            <a:pPr marL="342900" indent="-342900">
-              <a:buFont typeface="Arial"/>
-              <a:buChar char="•"/>
-            </a:pPr>
-            <a:r>
-              <a:rPr lang="en-US" dirty="0" smtClean="0"/>
-              <a:t>Small code base (less than 1500 Java LOC)</a:t>
-            </a:r>
-          </a:p>
-          <a:p>
-            <a:pPr marL="342900" indent="-342900">
-              <a:buFont typeface="Arial"/>
-              <a:buChar char="•"/>
-            </a:pPr>
-            <a:endParaRPr lang="en-US" dirty="0" smtClean="0"/>
-          </a:p>
-          <a:p>
-            <a:endParaRPr lang="en-US" dirty="0"/>
-          </a:p>
-        </p:txBody>
-      </p:sp>
-    </p:spTree>
-    <p:extLst>
-      <p:ext uri="{BB962C8B-B14F-4D97-AF65-F5344CB8AC3E}">
-        <p14:creationId xmlns:p14="http://schemas.microsoft.com/office/powerpoint/2010/main" val="1678207550"/>
-      </p:ext>
-    </p:extLst>
-  </p:cSld>
-  <p:clrMapOvr>
-    <a:masterClrMapping/>
-  </p:clrMapOvr>
-</p:sld>
-</file>
-
-<file path=ppt/slides/slide44.xml><?xml version="1.0" encoding="utf-8"?>
-<p:sld xmlns:a="http://schemas.openxmlformats.org/drawingml/2006/main" xmlns:r="http://schemas.openxmlformats.org/officeDocument/2006/relationships" xmlns:p="http://schemas.openxmlformats.org/presentationml/2006/main">
-  <p:cSld>
-    <p:spTree>
-      <p:nvGrpSpPr>
-        <p:cNvPr id="1" name=""/>
-        <p:cNvGrpSpPr/>
-        <p:nvPr/>
-      </p:nvGrpSpPr>
-      <p:grpSpPr>
-        <a:xfrm>
-          <a:off x="0" y="0"/>
-          <a:ext cx="0" cy="0"/>
-          <a:chOff x="0" y="0"/>
-          <a:chExt cx="0" cy="0"/>
-        </a:xfrm>
-      </p:grpSpPr>
-      <p:sp>
-        <p:nvSpPr>
-          <p:cNvPr id="6" name="Title 5"/>
-          <p:cNvSpPr>
-            <a:spLocks noGrp="1"/>
-          </p:cNvSpPr>
-          <p:nvPr>
-            <p:ph type="title"/>
-          </p:nvPr>
-        </p:nvSpPr>
-        <p:spPr/>
-        <p:txBody>
-          <a:bodyPr/>
-          <a:lstStyle/>
-          <a:p>
-            <a:r>
-              <a:rPr lang="en-US" dirty="0" smtClean="0"/>
-              <a:t>Source codes</a:t>
-            </a:r>
-            <a:endParaRPr lang="en-US" dirty="0"/>
-          </a:p>
-        </p:txBody>
-      </p:sp>
-      <p:sp>
-        <p:nvSpPr>
-          <p:cNvPr id="7" name="Content Placeholder 6"/>
-          <p:cNvSpPr>
-            <a:spLocks noGrp="1"/>
-          </p:cNvSpPr>
-          <p:nvPr>
-            <p:ph idx="1"/>
-          </p:nvPr>
-        </p:nvSpPr>
-        <p:spPr/>
-        <p:txBody>
-          <a:bodyPr/>
-          <a:lstStyle/>
-          <a:p>
-            <a:r>
-              <a:rPr lang="en-US" dirty="0">
-                <a:hlinkClick r:id="rId2"/>
-              </a:rPr>
-              <a:t>https://github.com/florianroesler/</a:t>
-            </a:r>
-            <a:r>
-              <a:rPr lang="en-US" dirty="0" smtClean="0">
-                <a:hlinkClick r:id="rId2"/>
-              </a:rPr>
-              <a:t>dopencl</a:t>
-            </a:r>
-            <a:endParaRPr lang="en-US" dirty="0" smtClean="0"/>
-          </a:p>
-          <a:p>
-            <a:r>
-              <a:rPr lang="en-US" dirty="0">
-                <a:hlinkClick r:id="rId3"/>
-              </a:rPr>
-              <a:t>https://github.com/florianroesler/</a:t>
-            </a:r>
-            <a:r>
-              <a:rPr lang="en-US" dirty="0" smtClean="0">
-                <a:hlinkClick r:id="rId3"/>
-              </a:rPr>
-              <a:t>aparapi</a:t>
-            </a:r>
-            <a:endParaRPr lang="en-US" dirty="0" smtClean="0"/>
-          </a:p>
-          <a:p>
-            <a:r>
-              <a:rPr lang="en-US" dirty="0">
-                <a:hlinkClick r:id="rId4"/>
-              </a:rPr>
-              <a:t>https://github.com/florianroesler/</a:t>
-            </a:r>
-            <a:r>
-              <a:rPr lang="en-US" dirty="0" smtClean="0">
-                <a:hlinkClick r:id="rId4"/>
-              </a:rPr>
-              <a:t>dynamopencl</a:t>
-            </a:r>
-            <a:endParaRPr lang="en-US" dirty="0" smtClean="0"/>
-          </a:p>
-          <a:p>
-            <a:r>
-              <a:rPr lang="en-US" dirty="0">
-                <a:hlinkClick r:id="rId5"/>
-              </a:rPr>
-              <a:t>https://github.com/florianroesler/dynamo-</a:t>
-            </a:r>
-            <a:r>
-              <a:rPr lang="en-US" dirty="0" smtClean="0">
-                <a:hlinkClick r:id="rId5"/>
-              </a:rPr>
-              <a:t>server</a:t>
-            </a:r>
-            <a:endParaRPr lang="en-US" dirty="0" smtClean="0"/>
-          </a:p>
-          <a:p>
-            <a:endParaRPr lang="en-US" dirty="0"/>
-          </a:p>
-        </p:txBody>
-      </p:sp>
-    </p:spTree>
-    <p:extLst>
-      <p:ext uri="{BB962C8B-B14F-4D97-AF65-F5344CB8AC3E}">
-        <p14:creationId xmlns:p14="http://schemas.microsoft.com/office/powerpoint/2010/main" val="2512713343"/>
       </p:ext>
     </p:extLst>
   </p:cSld>
@@ -8899,6 +9215,412 @@
 </p:sld>
 </file>
 
+<file path=ppt/slides/slide50.xml><?xml version="1.0" encoding="utf-8"?>
+<p:sld xmlns:a="http://schemas.openxmlformats.org/drawingml/2006/main" xmlns:r="http://schemas.openxmlformats.org/officeDocument/2006/relationships" xmlns:p="http://schemas.openxmlformats.org/presentationml/2006/main">
+  <p:cSld>
+    <p:spTree>
+      <p:nvGrpSpPr>
+        <p:cNvPr id="1" name=""/>
+        <p:cNvGrpSpPr/>
+        <p:nvPr/>
+      </p:nvGrpSpPr>
+      <p:grpSpPr>
+        <a:xfrm>
+          <a:off x="0" y="0"/>
+          <a:ext cx="0" cy="0"/>
+          <a:chOff x="0" y="0"/>
+          <a:chExt cx="0" cy="0"/>
+        </a:xfrm>
+      </p:grpSpPr>
+      <p:sp>
+        <p:nvSpPr>
+          <p:cNvPr id="4" name="Title 3"/>
+          <p:cNvSpPr>
+            <a:spLocks noGrp="1"/>
+          </p:cNvSpPr>
+          <p:nvPr>
+            <p:ph type="title"/>
+          </p:nvPr>
+        </p:nvSpPr>
+        <p:spPr/>
+        <p:txBody>
+          <a:bodyPr/>
+          <a:lstStyle/>
+          <a:p>
+            <a:r>
+              <a:rPr lang="en-US" dirty="0" smtClean="0"/>
+              <a:t>limitations</a:t>
+            </a:r>
+            <a:endParaRPr lang="en-US" dirty="0"/>
+          </a:p>
+        </p:txBody>
+      </p:sp>
+      <p:sp>
+        <p:nvSpPr>
+          <p:cNvPr id="5" name="Content Placeholder 4"/>
+          <p:cNvSpPr>
+            <a:spLocks noGrp="1"/>
+          </p:cNvSpPr>
+          <p:nvPr>
+            <p:ph idx="1"/>
+          </p:nvPr>
+        </p:nvSpPr>
+        <p:spPr/>
+        <p:txBody>
+          <a:bodyPr/>
+          <a:lstStyle/>
+          <a:p>
+            <a:pPr marL="342900" indent="-342900">
+              <a:buFont typeface="Arial"/>
+              <a:buChar char="•"/>
+            </a:pPr>
+            <a:r>
+              <a:rPr lang="en-US" dirty="0" smtClean="0"/>
+              <a:t>Network connection major bottleneck</a:t>
+            </a:r>
+          </a:p>
+          <a:p>
+            <a:pPr marL="342900" indent="-342900">
+              <a:buFont typeface="Arial"/>
+              <a:buChar char="•"/>
+            </a:pPr>
+            <a:r>
+              <a:rPr lang="en-US" dirty="0" smtClean="0"/>
+              <a:t>Limitations of </a:t>
+            </a:r>
+            <a:r>
+              <a:rPr lang="en-US" dirty="0" err="1" smtClean="0"/>
+              <a:t>Aparapi</a:t>
+            </a:r>
+            <a:endParaRPr lang="en-US" dirty="0" smtClean="0"/>
+          </a:p>
+          <a:p>
+            <a:pPr marL="800100" lvl="1" indent="-342900">
+              <a:buFont typeface="Arial"/>
+              <a:buChar char="•"/>
+            </a:pPr>
+            <a:r>
+              <a:rPr lang="en-US" dirty="0" smtClean="0"/>
+              <a:t>Code translation</a:t>
+            </a:r>
+          </a:p>
+          <a:p>
+            <a:pPr marL="800100" lvl="1" indent="-342900">
+              <a:buFont typeface="Arial"/>
+              <a:buChar char="•"/>
+            </a:pPr>
+            <a:r>
+              <a:rPr lang="en-US" dirty="0" smtClean="0"/>
+              <a:t>Device support</a:t>
+            </a:r>
+          </a:p>
+          <a:p>
+            <a:pPr marL="342900" indent="-342900">
+              <a:buFont typeface="Arial"/>
+              <a:buChar char="•"/>
+            </a:pPr>
+            <a:r>
+              <a:rPr lang="en-US" dirty="0" err="1" smtClean="0"/>
+              <a:t>OpenCL</a:t>
+            </a:r>
+            <a:r>
+              <a:rPr lang="en-US" dirty="0" smtClean="0"/>
+              <a:t> device feature set currently ignored by scheduling</a:t>
+            </a:r>
+          </a:p>
+          <a:p>
+            <a:pPr marL="342900" indent="-342900">
+              <a:buFont typeface="Arial"/>
+              <a:buChar char="•"/>
+            </a:pPr>
+            <a:r>
+              <a:rPr lang="en-US" dirty="0" smtClean="0"/>
+              <a:t>Memory may become bottleneck when many jobs are executed in parallel</a:t>
+            </a:r>
+          </a:p>
+          <a:p>
+            <a:pPr marL="342900" indent="-342900">
+              <a:buFont typeface="Arial"/>
+              <a:buChar char="•"/>
+            </a:pPr>
+            <a:endParaRPr lang="en-US" dirty="0"/>
+          </a:p>
+        </p:txBody>
+      </p:sp>
+    </p:spTree>
+    <p:extLst>
+      <p:ext uri="{BB962C8B-B14F-4D97-AF65-F5344CB8AC3E}">
+        <p14:creationId xmlns:p14="http://schemas.microsoft.com/office/powerpoint/2010/main" val="3896321887"/>
+      </p:ext>
+    </p:extLst>
+  </p:cSld>
+  <p:clrMapOvr>
+    <a:masterClrMapping/>
+  </p:clrMapOvr>
+</p:sld>
+</file>
+
+<file path=ppt/slides/slide51.xml><?xml version="1.0" encoding="utf-8"?>
+<p:sld xmlns:a="http://schemas.openxmlformats.org/drawingml/2006/main" xmlns:r="http://schemas.openxmlformats.org/officeDocument/2006/relationships" xmlns:p="http://schemas.openxmlformats.org/presentationml/2006/main">
+  <p:cSld>
+    <p:spTree>
+      <p:nvGrpSpPr>
+        <p:cNvPr id="1" name=""/>
+        <p:cNvGrpSpPr/>
+        <p:nvPr/>
+      </p:nvGrpSpPr>
+      <p:grpSpPr>
+        <a:xfrm>
+          <a:off x="0" y="0"/>
+          <a:ext cx="0" cy="0"/>
+          <a:chOff x="0" y="0"/>
+          <a:chExt cx="0" cy="0"/>
+        </a:xfrm>
+      </p:grpSpPr>
+      <p:sp>
+        <p:nvSpPr>
+          <p:cNvPr id="2" name="Title 1"/>
+          <p:cNvSpPr>
+            <a:spLocks noGrp="1"/>
+          </p:cNvSpPr>
+          <p:nvPr>
+            <p:ph type="title"/>
+          </p:nvPr>
+        </p:nvSpPr>
+        <p:spPr/>
+        <p:txBody>
+          <a:bodyPr/>
+          <a:lstStyle/>
+          <a:p>
+            <a:r>
+              <a:rPr lang="en-US" dirty="0" smtClean="0"/>
+              <a:t>Achievements</a:t>
+            </a:r>
+            <a:endParaRPr lang="en-US" dirty="0"/>
+          </a:p>
+        </p:txBody>
+      </p:sp>
+      <p:sp>
+        <p:nvSpPr>
+          <p:cNvPr id="3" name="Content Placeholder 2"/>
+          <p:cNvSpPr>
+            <a:spLocks noGrp="1"/>
+          </p:cNvSpPr>
+          <p:nvPr>
+            <p:ph idx="1"/>
+          </p:nvPr>
+        </p:nvSpPr>
+        <p:spPr/>
+        <p:txBody>
+          <a:bodyPr/>
+          <a:lstStyle/>
+          <a:p>
+            <a:pPr marL="342900" indent="-342900">
+              <a:buFont typeface="Arial"/>
+              <a:buChar char="•"/>
+            </a:pPr>
+            <a:r>
+              <a:rPr lang="en-US" dirty="0" smtClean="0"/>
+              <a:t>Distributed computations on heterogeneous clusters</a:t>
+            </a:r>
+          </a:p>
+          <a:p>
+            <a:pPr marL="342900" indent="-342900">
+              <a:buFont typeface="Arial"/>
+              <a:buChar char="•"/>
+            </a:pPr>
+            <a:r>
+              <a:rPr lang="en-US" dirty="0" smtClean="0"/>
+              <a:t>Flat learning curve and little code necessary</a:t>
+            </a:r>
+          </a:p>
+          <a:p>
+            <a:pPr marL="342900" indent="-342900">
+              <a:buFont typeface="Arial"/>
+              <a:buChar char="•"/>
+            </a:pPr>
+            <a:r>
+              <a:rPr lang="en-US" dirty="0" smtClean="0"/>
+              <a:t>Cluster size can be dynamically increased by cloud resources</a:t>
+            </a:r>
+          </a:p>
+          <a:p>
+            <a:pPr marL="342900" indent="-342900">
+              <a:buFont typeface="Arial"/>
+              <a:buChar char="•"/>
+            </a:pPr>
+            <a:r>
+              <a:rPr lang="en-US" dirty="0" smtClean="0"/>
+              <a:t>Scheduling architecture adaptable to various use cases</a:t>
+            </a:r>
+          </a:p>
+          <a:p>
+            <a:pPr marL="342900" indent="-342900">
+              <a:buFont typeface="Arial"/>
+              <a:buChar char="•"/>
+            </a:pPr>
+            <a:r>
+              <a:rPr lang="en-US" dirty="0" smtClean="0"/>
+              <a:t>Small code base (less than 1500 Java LOC)</a:t>
+            </a:r>
+          </a:p>
+          <a:p>
+            <a:pPr marL="342900" indent="-342900">
+              <a:buFont typeface="Arial"/>
+              <a:buChar char="•"/>
+            </a:pPr>
+            <a:endParaRPr lang="en-US" dirty="0" smtClean="0"/>
+          </a:p>
+          <a:p>
+            <a:endParaRPr lang="en-US" dirty="0"/>
+          </a:p>
+        </p:txBody>
+      </p:sp>
+    </p:spTree>
+    <p:extLst>
+      <p:ext uri="{BB962C8B-B14F-4D97-AF65-F5344CB8AC3E}">
+        <p14:creationId xmlns:p14="http://schemas.microsoft.com/office/powerpoint/2010/main" val="1678207550"/>
+      </p:ext>
+    </p:extLst>
+  </p:cSld>
+  <p:clrMapOvr>
+    <a:masterClrMapping/>
+  </p:clrMapOvr>
+</p:sld>
+</file>
+
+<file path=ppt/slides/slide52.xml><?xml version="1.0" encoding="utf-8"?>
+<p:sld xmlns:a="http://schemas.openxmlformats.org/drawingml/2006/main" xmlns:r="http://schemas.openxmlformats.org/officeDocument/2006/relationships" xmlns:p="http://schemas.openxmlformats.org/presentationml/2006/main">
+  <p:cSld>
+    <p:spTree>
+      <p:nvGrpSpPr>
+        <p:cNvPr id="1" name=""/>
+        <p:cNvGrpSpPr/>
+        <p:nvPr/>
+      </p:nvGrpSpPr>
+      <p:grpSpPr>
+        <a:xfrm>
+          <a:off x="0" y="0"/>
+          <a:ext cx="0" cy="0"/>
+          <a:chOff x="0" y="0"/>
+          <a:chExt cx="0" cy="0"/>
+        </a:xfrm>
+      </p:grpSpPr>
+      <p:sp>
+        <p:nvSpPr>
+          <p:cNvPr id="6" name="Title 5"/>
+          <p:cNvSpPr>
+            <a:spLocks noGrp="1"/>
+          </p:cNvSpPr>
+          <p:nvPr>
+            <p:ph type="title"/>
+          </p:nvPr>
+        </p:nvSpPr>
+        <p:spPr/>
+        <p:txBody>
+          <a:bodyPr/>
+          <a:lstStyle/>
+          <a:p>
+            <a:r>
+              <a:rPr lang="en-US" dirty="0" smtClean="0"/>
+              <a:t>Source codes</a:t>
+            </a:r>
+            <a:endParaRPr lang="en-US" dirty="0"/>
+          </a:p>
+        </p:txBody>
+      </p:sp>
+      <p:sp>
+        <p:nvSpPr>
+          <p:cNvPr id="7" name="Content Placeholder 6"/>
+          <p:cNvSpPr>
+            <a:spLocks noGrp="1"/>
+          </p:cNvSpPr>
+          <p:nvPr>
+            <p:ph idx="1"/>
+          </p:nvPr>
+        </p:nvSpPr>
+        <p:spPr/>
+        <p:txBody>
+          <a:bodyPr/>
+          <a:lstStyle/>
+          <a:p>
+            <a:r>
+              <a:rPr lang="en-US" dirty="0">
+                <a:hlinkClick r:id="rId2"/>
+              </a:rPr>
+              <a:t>https://github.com/florianroesler/</a:t>
+            </a:r>
+            <a:r>
+              <a:rPr lang="en-US" dirty="0" smtClean="0">
+                <a:hlinkClick r:id="rId2"/>
+              </a:rPr>
+              <a:t>dopencl</a:t>
+            </a:r>
+            <a:endParaRPr lang="en-US" dirty="0" smtClean="0"/>
+          </a:p>
+          <a:p>
+            <a:r>
+              <a:rPr lang="en-US" dirty="0">
+                <a:hlinkClick r:id="rId3"/>
+              </a:rPr>
+              <a:t>https://github.com/florianroesler/</a:t>
+            </a:r>
+            <a:r>
+              <a:rPr lang="en-US" dirty="0" smtClean="0">
+                <a:hlinkClick r:id="rId3"/>
+              </a:rPr>
+              <a:t>aparapi</a:t>
+            </a:r>
+            <a:endParaRPr lang="en-US" dirty="0" smtClean="0"/>
+          </a:p>
+          <a:p>
+            <a:r>
+              <a:rPr lang="en-US" dirty="0">
+                <a:hlinkClick r:id="rId4"/>
+              </a:rPr>
+              <a:t>https://github.com/florianroesler/</a:t>
+            </a:r>
+            <a:r>
+              <a:rPr lang="en-US" dirty="0" smtClean="0">
+                <a:hlinkClick r:id="rId4"/>
+              </a:rPr>
+              <a:t>dynamopencl</a:t>
+            </a:r>
+            <a:endParaRPr lang="en-US" dirty="0" smtClean="0"/>
+          </a:p>
+          <a:p>
+            <a:r>
+              <a:rPr lang="en-US" dirty="0">
+                <a:hlinkClick r:id="rId5"/>
+              </a:rPr>
+              <a:t>https://github.com/florianroesler/dynamo-</a:t>
+            </a:r>
+            <a:r>
+              <a:rPr lang="en-US" dirty="0" smtClean="0">
+                <a:hlinkClick r:id="rId5"/>
+              </a:rPr>
+              <a:t>server</a:t>
+            </a:r>
+            <a:endParaRPr lang="en-US" dirty="0" smtClean="0"/>
+          </a:p>
+          <a:p>
+            <a:endParaRPr lang="en-US" dirty="0"/>
+          </a:p>
+        </p:txBody>
+      </p:sp>
+    </p:spTree>
+    <p:extLst>
+      <p:ext uri="{BB962C8B-B14F-4D97-AF65-F5344CB8AC3E}">
+        <p14:creationId xmlns:p14="http://schemas.microsoft.com/office/powerpoint/2010/main" val="2512713343"/>
+      </p:ext>
+    </p:extLst>
+  </p:cSld>
+  <p:clrMapOvr>
+    <a:masterClrMapping/>
+  </p:clrMapOvr>
+</p:sld>
+</file>
+
 <file path=ppt/slides/slide6.xml><?xml version="1.0" encoding="utf-8"?>
 <p:sld xmlns:a="http://schemas.openxmlformats.org/drawingml/2006/main" xmlns:r="http://schemas.openxmlformats.org/officeDocument/2006/relationships" xmlns:p="http://schemas.openxmlformats.org/presentationml/2006/main">
   <p:cSld>
@@ -9147,6 +9869,58 @@
           <a:bodyPr/>
           <a:lstStyle/>
           <a:p>
+            <a:pPr marL="342900" indent="-342900">
+              <a:buFont typeface="Arial"/>
+              <a:buChar char="•"/>
+            </a:pPr>
+            <a:r>
+              <a:rPr lang="en-US" dirty="0" err="1" smtClean="0"/>
+              <a:t>rCUDA</a:t>
+            </a:r>
+            <a:endParaRPr lang="en-US" dirty="0" smtClean="0"/>
+          </a:p>
+          <a:p>
+            <a:pPr marL="342900" indent="-342900">
+              <a:buFont typeface="Arial"/>
+              <a:buChar char="•"/>
+            </a:pPr>
+            <a:r>
+              <a:rPr lang="en-US" dirty="0"/>
+              <a:t>Virtualizing CUDA Enabled GPGPUs on ARM Clusters </a:t>
+            </a:r>
+            <a:endParaRPr lang="en-US" dirty="0" smtClean="0"/>
+          </a:p>
+          <a:p>
+            <a:pPr marL="342900" indent="-342900">
+              <a:buFont typeface="Arial"/>
+              <a:buChar char="•"/>
+            </a:pPr>
+            <a:r>
+              <a:rPr lang="en-US" dirty="0" err="1" smtClean="0"/>
+              <a:t>DistCL</a:t>
+            </a:r>
+            <a:endParaRPr lang="en-US" dirty="0" smtClean="0"/>
+          </a:p>
+          <a:p>
+            <a:pPr marL="342900" indent="-342900">
+              <a:buFont typeface="Arial"/>
+              <a:buChar char="•"/>
+            </a:pPr>
+            <a:r>
+              <a:rPr lang="en-US" dirty="0" err="1" smtClean="0"/>
+              <a:t>Hadoop+Aparapi</a:t>
+            </a:r>
+            <a:endParaRPr lang="en-US" dirty="0"/>
+          </a:p>
+          <a:p>
+            <a:pPr marL="342900" indent="-342900">
+              <a:buFont typeface="Arial"/>
+              <a:buChar char="•"/>
+            </a:pPr>
+            <a:r>
+              <a:rPr lang="en-US" dirty="0" err="1" smtClean="0"/>
+              <a:t>SnuCL</a:t>
+            </a:r>
             <a:endParaRPr lang="en-US" dirty="0"/>
           </a:p>
         </p:txBody>

--- a/presentation.pptx
+++ b/presentation.pptx
@@ -32,11 +32,11 @@
     <p:sldId id="276" r:id="rId26"/>
     <p:sldId id="277" r:id="rId27"/>
     <p:sldId id="278" r:id="rId28"/>
-    <p:sldId id="296" r:id="rId29"/>
-    <p:sldId id="279" r:id="rId30"/>
-    <p:sldId id="280" r:id="rId31"/>
-    <p:sldId id="281" r:id="rId32"/>
-    <p:sldId id="282" r:id="rId33"/>
+    <p:sldId id="279" r:id="rId29"/>
+    <p:sldId id="280" r:id="rId30"/>
+    <p:sldId id="281" r:id="rId31"/>
+    <p:sldId id="282" r:id="rId32"/>
+    <p:sldId id="309" r:id="rId33"/>
     <p:sldId id="283" r:id="rId34"/>
     <p:sldId id="300" r:id="rId35"/>
     <p:sldId id="301" r:id="rId36"/>
@@ -4008,6 +4008,21 @@
   <p:clrMapOvr>
     <a:masterClrMapping/>
   </p:clrMapOvr>
+  <mc:AlternateContent xmlns:mc="http://schemas.openxmlformats.org/markup-compatibility/2006">
+    <mc:Choice xmlns:p14="http://schemas.microsoft.com/office/powerpoint/2010/main" Requires="p14">
+      <p:transition spd="slow" p14:dur="2000" advTm="12015"/>
+    </mc:Choice>
+    <mc:Fallback>
+      <p:transition xmlns:p14="http://schemas.microsoft.com/office/powerpoint/2010/main" spd="slow" advTm="12015"/>
+    </mc:Fallback>
+  </mc:AlternateContent>
+  <p:timing>
+    <p:tnLst>
+      <p:par>
+        <p:cTn xmlns:p14="http://schemas.microsoft.com/office/powerpoint/2010/main" id="1" dur="indefinite" restart="never" nodeType="tmRoot"/>
+      </p:par>
+    </p:tnLst>
+  </p:timing>
 </p:sld>
 </file>
 
@@ -4171,6 +4186,21 @@
   <p:clrMapOvr>
     <a:masterClrMapping/>
   </p:clrMapOvr>
+  <mc:AlternateContent xmlns:mc="http://schemas.openxmlformats.org/markup-compatibility/2006">
+    <mc:Choice xmlns:p14="http://schemas.microsoft.com/office/powerpoint/2010/main" Requires="p14">
+      <p:transition spd="slow" p14:dur="2000" advTm="54206"/>
+    </mc:Choice>
+    <mc:Fallback>
+      <p:transition xmlns:p14="http://schemas.microsoft.com/office/powerpoint/2010/main" spd="slow" advTm="54206"/>
+    </mc:Fallback>
+  </mc:AlternateContent>
+  <p:timing>
+    <p:tnLst>
+      <p:par>
+        <p:cTn xmlns:p14="http://schemas.microsoft.com/office/powerpoint/2010/main" id="1" dur="indefinite" restart="never" nodeType="tmRoot"/>
+      </p:par>
+    </p:tnLst>
+  </p:timing>
 </p:sld>
 </file>
 
@@ -4415,6 +4445,21 @@
   <p:clrMapOvr>
     <a:masterClrMapping/>
   </p:clrMapOvr>
+  <mc:AlternateContent xmlns:mc="http://schemas.openxmlformats.org/markup-compatibility/2006">
+    <mc:Choice xmlns:p14="http://schemas.microsoft.com/office/powerpoint/2010/main" Requires="p14">
+      <p:transition spd="slow" p14:dur="2000" advTm="98327"/>
+    </mc:Choice>
+    <mc:Fallback>
+      <p:transition xmlns:p14="http://schemas.microsoft.com/office/powerpoint/2010/main" spd="slow" advTm="98327"/>
+    </mc:Fallback>
+  </mc:AlternateContent>
+  <p:timing>
+    <p:tnLst>
+      <p:par>
+        <p:cTn xmlns:p14="http://schemas.microsoft.com/office/powerpoint/2010/main" id="1" dur="indefinite" restart="never" nodeType="tmRoot"/>
+      </p:par>
+    </p:tnLst>
+  </p:timing>
 </p:sld>
 </file>
 
@@ -4565,6 +4610,21 @@
   <p:clrMapOvr>
     <a:masterClrMapping/>
   </p:clrMapOvr>
+  <mc:AlternateContent xmlns:mc="http://schemas.openxmlformats.org/markup-compatibility/2006">
+    <mc:Choice xmlns:p14="http://schemas.microsoft.com/office/powerpoint/2010/main" Requires="p14">
+      <p:transition spd="slow" p14:dur="2000" advTm="70190"/>
+    </mc:Choice>
+    <mc:Fallback>
+      <p:transition xmlns:p14="http://schemas.microsoft.com/office/powerpoint/2010/main" spd="slow" advTm="70190"/>
+    </mc:Fallback>
+  </mc:AlternateContent>
+  <p:timing>
+    <p:tnLst>
+      <p:par>
+        <p:cTn xmlns:p14="http://schemas.microsoft.com/office/powerpoint/2010/main" id="1" dur="indefinite" restart="never" nodeType="tmRoot"/>
+      </p:par>
+    </p:tnLst>
+  </p:timing>
 </p:sld>
 </file>
 
@@ -4713,6 +4773,21 @@
   <p:clrMapOvr>
     <a:masterClrMapping/>
   </p:clrMapOvr>
+  <mc:AlternateContent xmlns:mc="http://schemas.openxmlformats.org/markup-compatibility/2006">
+    <mc:Choice xmlns:p14="http://schemas.microsoft.com/office/powerpoint/2010/main" Requires="p14">
+      <p:transition spd="slow" p14:dur="2000" advTm="53542"/>
+    </mc:Choice>
+    <mc:Fallback>
+      <p:transition xmlns:p14="http://schemas.microsoft.com/office/powerpoint/2010/main" spd="slow" advTm="53542"/>
+    </mc:Fallback>
+  </mc:AlternateContent>
+  <p:timing>
+    <p:tnLst>
+      <p:par>
+        <p:cTn xmlns:p14="http://schemas.microsoft.com/office/powerpoint/2010/main" id="1" dur="indefinite" restart="never" nodeType="tmRoot"/>
+      </p:par>
+    </p:tnLst>
+  </p:timing>
 </p:sld>
 </file>
 
@@ -5038,6 +5113,21 @@
   <p:clrMapOvr>
     <a:masterClrMapping/>
   </p:clrMapOvr>
+  <mc:AlternateContent xmlns:mc="http://schemas.openxmlformats.org/markup-compatibility/2006">
+    <mc:Choice xmlns:p14="http://schemas.microsoft.com/office/powerpoint/2010/main" Requires="p14">
+      <p:transition spd="slow" p14:dur="2000" advTm="57766"/>
+    </mc:Choice>
+    <mc:Fallback>
+      <p:transition xmlns:p14="http://schemas.microsoft.com/office/powerpoint/2010/main" spd="slow" advTm="57766"/>
+    </mc:Fallback>
+  </mc:AlternateContent>
+  <p:timing>
+    <p:tnLst>
+      <p:par>
+        <p:cTn xmlns:p14="http://schemas.microsoft.com/office/powerpoint/2010/main" id="1" dur="indefinite" restart="never" nodeType="tmRoot"/>
+      </p:par>
+    </p:tnLst>
+  </p:timing>
 </p:sld>
 </file>
 
@@ -5110,6 +5200,21 @@
   <p:clrMapOvr>
     <a:masterClrMapping/>
   </p:clrMapOvr>
+  <mc:AlternateContent xmlns:mc="http://schemas.openxmlformats.org/markup-compatibility/2006">
+    <mc:Choice xmlns:p14="http://schemas.microsoft.com/office/powerpoint/2010/main" Requires="p14">
+      <p:transition spd="slow" p14:dur="2000" advTm="1876"/>
+    </mc:Choice>
+    <mc:Fallback>
+      <p:transition xmlns:p14="http://schemas.microsoft.com/office/powerpoint/2010/main" spd="slow" advTm="1876"/>
+    </mc:Fallback>
+  </mc:AlternateContent>
+  <p:timing>
+    <p:tnLst>
+      <p:par>
+        <p:cTn xmlns:p14="http://schemas.microsoft.com/office/powerpoint/2010/main" id="1" dur="indefinite" restart="never" nodeType="tmRoot"/>
+      </p:par>
+    </p:tnLst>
+  </p:timing>
 </p:sld>
 </file>
 
@@ -5191,6 +5296,21 @@
   <p:clrMapOvr>
     <a:masterClrMapping/>
   </p:clrMapOvr>
+  <mc:AlternateContent xmlns:mc="http://schemas.openxmlformats.org/markup-compatibility/2006">
+    <mc:Choice xmlns:p14="http://schemas.microsoft.com/office/powerpoint/2010/main" Requires="p14">
+      <p:transition spd="slow" p14:dur="2000" advTm="59022"/>
+    </mc:Choice>
+    <mc:Fallback>
+      <p:transition xmlns:p14="http://schemas.microsoft.com/office/powerpoint/2010/main" spd="slow" advTm="59022"/>
+    </mc:Fallback>
+  </mc:AlternateContent>
+  <p:timing>
+    <p:tnLst>
+      <p:par>
+        <p:cTn xmlns:p14="http://schemas.microsoft.com/office/powerpoint/2010/main" id="1" dur="indefinite" restart="never" nodeType="tmRoot"/>
+      </p:par>
+    </p:tnLst>
+  </p:timing>
 </p:sld>
 </file>
 
@@ -5247,7 +5367,7 @@
         <p:spPr/>
         <p:txBody>
           <a:bodyPr>
-            <a:normAutofit fontScale="92500" lnSpcReduction="20000"/>
+            <a:normAutofit/>
           </a:bodyPr>
           <a:lstStyle/>
           <a:p>
@@ -5339,20 +5459,6 @@
           </a:p>
           <a:p>
             <a:endParaRPr lang="en-US" dirty="0" smtClean="0"/>
-          </a:p>
-          <a:p>
-            <a:r>
-              <a:rPr lang="en-US" dirty="0" smtClean="0"/>
-              <a:t>Limitation: </a:t>
-            </a:r>
-            <a:r>
-              <a:rPr lang="en-US" dirty="0" err="1" smtClean="0"/>
-              <a:t>OpenCL</a:t>
-            </a:r>
-            <a:r>
-              <a:rPr lang="en-US" dirty="0" smtClean="0"/>
-              <a:t> can not parallelize programs on multiple devices of different vendors</a:t>
-            </a:r>
           </a:p>
           <a:p>
             <a:pPr marL="342900" indent="-342900">
@@ -5373,6 +5479,21 @@
   <p:clrMapOvr>
     <a:masterClrMapping/>
   </p:clrMapOvr>
+  <mc:AlternateContent xmlns:mc="http://schemas.openxmlformats.org/markup-compatibility/2006">
+    <mc:Choice xmlns:p14="http://schemas.microsoft.com/office/powerpoint/2010/main" Requires="p14">
+      <p:transition spd="slow" p14:dur="2000" advTm="59808"/>
+    </mc:Choice>
+    <mc:Fallback>
+      <p:transition xmlns:p14="http://schemas.microsoft.com/office/powerpoint/2010/main" spd="slow" advTm="59808"/>
+    </mc:Fallback>
+  </mc:AlternateContent>
+  <p:timing>
+    <p:tnLst>
+      <p:par>
+        <p:cTn xmlns:p14="http://schemas.microsoft.com/office/powerpoint/2010/main" id="1" dur="indefinite" restart="never" nodeType="tmRoot"/>
+      </p:par>
+    </p:tnLst>
+  </p:timing>
 </p:sld>
 </file>
 
@@ -5551,6 +5672,21 @@
   <p:clrMapOvr>
     <a:masterClrMapping/>
   </p:clrMapOvr>
+  <mc:AlternateContent xmlns:mc="http://schemas.openxmlformats.org/markup-compatibility/2006">
+    <mc:Choice xmlns:p14="http://schemas.microsoft.com/office/powerpoint/2010/main" Requires="p14">
+      <p:transition spd="slow" p14:dur="2000" advTm="93574"/>
+    </mc:Choice>
+    <mc:Fallback>
+      <p:transition xmlns:p14="http://schemas.microsoft.com/office/powerpoint/2010/main" spd="slow" advTm="93574"/>
+    </mc:Fallback>
+  </mc:AlternateContent>
+  <p:timing>
+    <p:tnLst>
+      <p:par>
+        <p:cTn xmlns:p14="http://schemas.microsoft.com/office/powerpoint/2010/main" id="1" dur="indefinite" restart="never" nodeType="tmRoot"/>
+      </p:par>
+    </p:tnLst>
+  </p:timing>
 </p:sld>
 </file>
 
@@ -5633,6 +5769,21 @@
   <p:clrMapOvr>
     <a:masterClrMapping/>
   </p:clrMapOvr>
+  <mc:AlternateContent xmlns:mc="http://schemas.openxmlformats.org/markup-compatibility/2006">
+    <mc:Choice xmlns:p14="http://schemas.microsoft.com/office/powerpoint/2010/main" Requires="p14">
+      <p:transition spd="slow" p14:dur="2000" advTm="48162"/>
+    </mc:Choice>
+    <mc:Fallback>
+      <p:transition xmlns:p14="http://schemas.microsoft.com/office/powerpoint/2010/main" spd="slow" advTm="48162"/>
+    </mc:Fallback>
+  </mc:AlternateContent>
+  <p:timing>
+    <p:tnLst>
+      <p:par>
+        <p:cTn xmlns:p14="http://schemas.microsoft.com/office/powerpoint/2010/main" id="1" dur="indefinite" restart="never" nodeType="tmRoot"/>
+      </p:par>
+    </p:tnLst>
+  </p:timing>
 </p:sld>
 </file>
 
@@ -5779,6 +5930,21 @@
   <p:clrMapOvr>
     <a:masterClrMapping/>
   </p:clrMapOvr>
+  <mc:AlternateContent xmlns:mc="http://schemas.openxmlformats.org/markup-compatibility/2006">
+    <mc:Choice xmlns:p14="http://schemas.microsoft.com/office/powerpoint/2010/main" Requires="p14">
+      <p:transition spd="slow" p14:dur="2000" advTm="35199"/>
+    </mc:Choice>
+    <mc:Fallback>
+      <p:transition xmlns:p14="http://schemas.microsoft.com/office/powerpoint/2010/main" spd="slow" advTm="35199"/>
+    </mc:Fallback>
+  </mc:AlternateContent>
+  <p:timing>
+    <p:tnLst>
+      <p:par>
+        <p:cTn xmlns:p14="http://schemas.microsoft.com/office/powerpoint/2010/main" id="1" dur="indefinite" restart="never" nodeType="tmRoot"/>
+      </p:par>
+    </p:tnLst>
+  </p:timing>
 </p:sld>
 </file>
 
@@ -5861,6 +6027,21 @@
   <p:clrMapOvr>
     <a:masterClrMapping/>
   </p:clrMapOvr>
+  <mc:AlternateContent xmlns:mc="http://schemas.openxmlformats.org/markup-compatibility/2006">
+    <mc:Choice xmlns:p14="http://schemas.microsoft.com/office/powerpoint/2010/main" Requires="p14">
+      <p:transition spd="slow" p14:dur="2000" advTm="19295"/>
+    </mc:Choice>
+    <mc:Fallback>
+      <p:transition xmlns:p14="http://schemas.microsoft.com/office/powerpoint/2010/main" spd="slow" advTm="19295"/>
+    </mc:Fallback>
+  </mc:AlternateContent>
+  <p:timing>
+    <p:tnLst>
+      <p:par>
+        <p:cTn xmlns:p14="http://schemas.microsoft.com/office/powerpoint/2010/main" id="1" dur="indefinite" restart="never" nodeType="tmRoot"/>
+      </p:par>
+    </p:tnLst>
+  </p:timing>
 </p:sld>
 </file>
 
@@ -6007,6 +6188,21 @@
   <p:clrMapOvr>
     <a:masterClrMapping/>
   </p:clrMapOvr>
+  <mc:AlternateContent xmlns:mc="http://schemas.openxmlformats.org/markup-compatibility/2006">
+    <mc:Choice xmlns:p14="http://schemas.microsoft.com/office/powerpoint/2010/main" Requires="p14">
+      <p:transition spd="slow" p14:dur="2000" advTm="45258"/>
+    </mc:Choice>
+    <mc:Fallback>
+      <p:transition xmlns:p14="http://schemas.microsoft.com/office/powerpoint/2010/main" spd="slow" advTm="45258"/>
+    </mc:Fallback>
+  </mc:AlternateContent>
+  <p:timing>
+    <p:tnLst>
+      <p:par>
+        <p:cTn xmlns:p14="http://schemas.microsoft.com/office/powerpoint/2010/main" id="1" dur="indefinite" restart="never" nodeType="tmRoot"/>
+      </p:par>
+    </p:tnLst>
+  </p:timing>
 </p:sld>
 </file>
 
@@ -6089,6 +6285,21 @@
   <p:clrMapOvr>
     <a:masterClrMapping/>
   </p:clrMapOvr>
+  <mc:AlternateContent xmlns:mc="http://schemas.openxmlformats.org/markup-compatibility/2006">
+    <mc:Choice xmlns:p14="http://schemas.microsoft.com/office/powerpoint/2010/main" Requires="p14">
+      <p:transition spd="slow" p14:dur="2000" advTm="37818"/>
+    </mc:Choice>
+    <mc:Fallback>
+      <p:transition xmlns:p14="http://schemas.microsoft.com/office/powerpoint/2010/main" spd="slow" advTm="37818"/>
+    </mc:Fallback>
+  </mc:AlternateContent>
+  <p:timing>
+    <p:tnLst>
+      <p:par>
+        <p:cTn xmlns:p14="http://schemas.microsoft.com/office/powerpoint/2010/main" id="1" dur="indefinite" restart="never" nodeType="tmRoot"/>
+      </p:par>
+    </p:tnLst>
+  </p:timing>
 </p:sld>
 </file>
 
@@ -6230,6 +6441,21 @@
   <p:clrMapOvr>
     <a:masterClrMapping/>
   </p:clrMapOvr>
+  <mc:AlternateContent xmlns:mc="http://schemas.openxmlformats.org/markup-compatibility/2006">
+    <mc:Choice xmlns:p14="http://schemas.microsoft.com/office/powerpoint/2010/main" Requires="p14">
+      <p:transition spd="slow" p14:dur="2000" advTm="69850"/>
+    </mc:Choice>
+    <mc:Fallback>
+      <p:transition xmlns:p14="http://schemas.microsoft.com/office/powerpoint/2010/main" spd="slow" advTm="69850"/>
+    </mc:Fallback>
+  </mc:AlternateContent>
+  <p:timing>
+    <p:tnLst>
+      <p:par>
+        <p:cTn xmlns:p14="http://schemas.microsoft.com/office/powerpoint/2010/main" id="1" dur="indefinite" restart="never" nodeType="tmRoot"/>
+      </p:par>
+    </p:tnLst>
+  </p:timing>
 </p:sld>
 </file>
 
@@ -6310,6 +6536,21 @@
   <p:clrMapOvr>
     <a:masterClrMapping/>
   </p:clrMapOvr>
+  <mc:AlternateContent xmlns:mc="http://schemas.openxmlformats.org/markup-compatibility/2006">
+    <mc:Choice xmlns:p14="http://schemas.microsoft.com/office/powerpoint/2010/main" Requires="p14">
+      <p:transition spd="slow" p14:dur="2000" advTm="38136"/>
+    </mc:Choice>
+    <mc:Fallback>
+      <p:transition xmlns:p14="http://schemas.microsoft.com/office/powerpoint/2010/main" spd="slow" advTm="38136"/>
+    </mc:Fallback>
+  </mc:AlternateContent>
+  <p:timing>
+    <p:tnLst>
+      <p:par>
+        <p:cTn xmlns:p14="http://schemas.microsoft.com/office/powerpoint/2010/main" id="1" dur="indefinite" restart="never" nodeType="tmRoot"/>
+      </p:par>
+    </p:tnLst>
+  </p:timing>
 </p:sld>
 </file>
 
@@ -6386,6 +6627,21 @@
   <p:clrMapOvr>
     <a:masterClrMapping/>
   </p:clrMapOvr>
+  <mc:AlternateContent xmlns:mc="http://schemas.openxmlformats.org/markup-compatibility/2006">
+    <mc:Choice xmlns:p14="http://schemas.microsoft.com/office/powerpoint/2010/main" Requires="p14">
+      <p:transition spd="slow" p14:dur="2000" advTm="113335"/>
+    </mc:Choice>
+    <mc:Fallback>
+      <p:transition xmlns:p14="http://schemas.microsoft.com/office/powerpoint/2010/main" spd="slow" advTm="113335"/>
+    </mc:Fallback>
+  </mc:AlternateContent>
+  <p:timing>
+    <p:tnLst>
+      <p:par>
+        <p:cTn xmlns:p14="http://schemas.microsoft.com/office/powerpoint/2010/main" id="1" dur="indefinite" restart="never" nodeType="tmRoot"/>
+      </p:par>
+    </p:tnLst>
+  </p:timing>
 </p:sld>
 </file>
 
@@ -6423,7 +6679,7 @@
           <a:p>
             <a:r>
               <a:rPr lang="en-US" dirty="0" smtClean="0"/>
-              <a:t>Hybrid cloud</a:t>
+              <a:t>Hybrid Cluster</a:t>
             </a:r>
             <a:endParaRPr lang="en-US" dirty="0"/>
           </a:p>
@@ -6553,6 +6809,21 @@
   <p:clrMapOvr>
     <a:masterClrMapping/>
   </p:clrMapOvr>
+  <mc:AlternateContent xmlns:mc="http://schemas.openxmlformats.org/markup-compatibility/2006">
+    <mc:Choice xmlns:p14="http://schemas.microsoft.com/office/powerpoint/2010/main" Requires="p14">
+      <p:transition spd="slow" p14:dur="2000" advTm="38748"/>
+    </mc:Choice>
+    <mc:Fallback>
+      <p:transition xmlns:p14="http://schemas.microsoft.com/office/powerpoint/2010/main" spd="slow" advTm="38748"/>
+    </mc:Fallback>
+  </mc:AlternateContent>
+  <p:timing>
+    <p:tnLst>
+      <p:par>
+        <p:cTn xmlns:p14="http://schemas.microsoft.com/office/powerpoint/2010/main" id="1" dur="indefinite" restart="never" nodeType="tmRoot"/>
+      </p:par>
+    </p:tnLst>
+  </p:timing>
 </p:sld>
 </file>
 
@@ -6673,6 +6944,13 @@
   <p:clrMapOvr>
     <a:masterClrMapping/>
   </p:clrMapOvr>
+  <p:timing>
+    <p:tnLst>
+      <p:par>
+        <p:cTn xmlns:p14="http://schemas.microsoft.com/office/powerpoint/2010/main" id="1" dur="indefinite" restart="never" nodeType="tmRoot"/>
+      </p:par>
+    </p:tnLst>
+  </p:timing>
 </p:sld>
 </file>
 
@@ -6710,7 +6988,7 @@
           <a:p>
             <a:r>
               <a:rPr lang="en-US" dirty="0" smtClean="0"/>
-              <a:t>Scheduler Data Sources</a:t>
+              <a:t>Scheduling algorithms</a:t>
             </a:r>
             <a:endParaRPr lang="en-US" dirty="0"/>
           </a:p>
@@ -6718,7 +6996,7 @@
       </p:sp>
       <p:sp>
         <p:nvSpPr>
-          <p:cNvPr id="10" name="Text Placeholder 9"/>
+          <p:cNvPr id="4" name="Text Placeholder 3"/>
           <p:cNvSpPr>
             <a:spLocks noGrp="1"/>
           </p:cNvSpPr>
@@ -6733,7 +7011,7 @@
           <a:p>
             <a:r>
               <a:rPr lang="en-US" dirty="0" smtClean="0"/>
-              <a:t>Job scheduler</a:t>
+              <a:t>Job Scheduler </a:t>
             </a:r>
             <a:endParaRPr lang="en-US" dirty="0"/>
           </a:p>
@@ -6741,7 +7019,7 @@
       </p:sp>
       <p:sp>
         <p:nvSpPr>
-          <p:cNvPr id="11" name="Content Placeholder 10"/>
+          <p:cNvPr id="5" name="Content Placeholder 4"/>
           <p:cNvSpPr>
             <a:spLocks noGrp="1"/>
           </p:cNvSpPr>
@@ -6751,9 +7029,7 @@
         </p:nvSpPr>
         <p:spPr/>
         <p:txBody>
-          <a:bodyPr>
-            <a:normAutofit/>
-          </a:bodyPr>
+          <a:bodyPr/>
           <a:lstStyle/>
           <a:p>
             <a:pPr>
@@ -6762,8 +7038,8 @@
               </a:lnSpc>
             </a:pPr>
             <a:r>
-              <a:rPr lang="en-US" sz="2000" dirty="0" smtClean="0"/>
-              <a:t>Submission time</a:t>
+              <a:rPr lang="en-US" dirty="0" smtClean="0"/>
+              <a:t>Round-Robin</a:t>
             </a:r>
           </a:p>
           <a:p>
@@ -6773,10 +7049,50 @@
               </a:lnSpc>
             </a:pPr>
             <a:r>
-              <a:rPr lang="en-US" sz="2000" dirty="0" smtClean="0"/>
-              <a:t>Progress in %</a:t>
-            </a:r>
-          </a:p>
+              <a:rPr lang="en-US" dirty="0" smtClean="0"/>
+              <a:t>First-In-First-Out</a:t>
+            </a:r>
+            <a:endParaRPr lang="en-US" dirty="0"/>
+          </a:p>
+        </p:txBody>
+      </p:sp>
+      <p:sp>
+        <p:nvSpPr>
+          <p:cNvPr id="6" name="Text Placeholder 5"/>
+          <p:cNvSpPr>
+            <a:spLocks noGrp="1"/>
+          </p:cNvSpPr>
+          <p:nvPr>
+            <p:ph type="body" sz="quarter" idx="3"/>
+          </p:nvPr>
+        </p:nvSpPr>
+        <p:spPr/>
+        <p:txBody>
+          <a:bodyPr/>
+          <a:lstStyle/>
+          <a:p>
+            <a:r>
+              <a:rPr lang="en-US" dirty="0" smtClean="0"/>
+              <a:t>Device scheduler</a:t>
+            </a:r>
+            <a:endParaRPr lang="en-US" dirty="0"/>
+          </a:p>
+        </p:txBody>
+      </p:sp>
+      <p:sp>
+        <p:nvSpPr>
+          <p:cNvPr id="7" name="Content Placeholder 6"/>
+          <p:cNvSpPr>
+            <a:spLocks noGrp="1"/>
+          </p:cNvSpPr>
+          <p:nvPr>
+            <p:ph sz="quarter" idx="4"/>
+          </p:nvPr>
+        </p:nvSpPr>
+        <p:spPr/>
+        <p:txBody>
+          <a:bodyPr/>
+          <a:lstStyle/>
           <a:p>
             <a:pPr>
               <a:lnSpc>
@@ -6784,52 +7100,10 @@
               </a:lnSpc>
             </a:pPr>
             <a:r>
-              <a:rPr lang="en-US" sz="2000" dirty="0" smtClean="0"/>
-              <a:t>Remaining Partials</a:t>
-            </a:r>
-            <a:endParaRPr lang="en-US" sz="2000" dirty="0"/>
-          </a:p>
-        </p:txBody>
-      </p:sp>
-      <p:sp>
-        <p:nvSpPr>
-          <p:cNvPr id="12" name="Text Placeholder 11"/>
-          <p:cNvSpPr>
-            <a:spLocks noGrp="1"/>
-          </p:cNvSpPr>
-          <p:nvPr>
-            <p:ph type="body" sz="quarter" idx="3"/>
-          </p:nvPr>
-        </p:nvSpPr>
-        <p:spPr/>
-        <p:txBody>
-          <a:bodyPr/>
-          <a:lstStyle/>
-          <a:p>
-            <a:r>
-              <a:rPr lang="en-US" dirty="0" smtClean="0"/>
-              <a:t>Device scheduler</a:t>
-            </a:r>
-            <a:endParaRPr lang="en-US" dirty="0"/>
-          </a:p>
-        </p:txBody>
-      </p:sp>
-      <p:sp>
-        <p:nvSpPr>
-          <p:cNvPr id="13" name="Content Placeholder 12"/>
-          <p:cNvSpPr>
-            <a:spLocks noGrp="1"/>
-          </p:cNvSpPr>
-          <p:nvPr>
-            <p:ph sz="quarter" idx="4"/>
-          </p:nvPr>
-        </p:nvSpPr>
-        <p:spPr/>
-        <p:txBody>
-          <a:bodyPr>
-            <a:normAutofit/>
-          </a:bodyPr>
-          <a:lstStyle/>
+              <a:rPr lang="en-US" dirty="0" smtClean="0"/>
+              <a:t>Device Preference</a:t>
+            </a:r>
+          </a:p>
           <a:p>
             <a:pPr>
               <a:lnSpc>
@@ -6837,8 +7111,8 @@
               </a:lnSpc>
             </a:pPr>
             <a:r>
-              <a:rPr lang="en-US" sz="2000" dirty="0" smtClean="0"/>
-              <a:t>Device Preference (CPU/GPU)</a:t>
+              <a:rPr lang="en-US" dirty="0" smtClean="0"/>
+              <a:t>Performance Based</a:t>
             </a:r>
           </a:p>
           <a:p>
@@ -6848,12 +7122,8 @@
               </a:lnSpc>
             </a:pPr>
             <a:r>
-              <a:rPr lang="en-US" sz="2000" dirty="0"/>
-              <a:t>E</a:t>
-            </a:r>
-            <a:r>
-              <a:rPr lang="en-US" sz="2000" dirty="0" smtClean="0"/>
-              <a:t>xecution times per device</a:t>
+              <a:rPr lang="en-US" dirty="0" smtClean="0"/>
+              <a:t>Network Based</a:t>
             </a:r>
           </a:p>
           <a:p>
@@ -6862,35 +7132,27 @@
                 <a:spcPct val="150000"/>
               </a:lnSpc>
             </a:pPr>
-            <a:r>
-              <a:rPr lang="en-US" sz="2000" dirty="0" smtClean="0"/>
-              <a:t>Kernel size</a:t>
-            </a:r>
-          </a:p>
-          <a:p>
-            <a:pPr>
-              <a:lnSpc>
-                <a:spcPct val="150000"/>
-              </a:lnSpc>
-            </a:pPr>
-            <a:r>
-              <a:rPr lang="en-US" sz="2000" dirty="0" smtClean="0"/>
-              <a:t>Transferred data size</a:t>
-            </a:r>
-            <a:endParaRPr lang="en-US" sz="2000" dirty="0"/>
+            <a:endParaRPr lang="en-US" dirty="0"/>
           </a:p>
         </p:txBody>
       </p:sp>
     </p:spTree>
     <p:extLst>
       <p:ext uri="{BB962C8B-B14F-4D97-AF65-F5344CB8AC3E}">
-        <p14:creationId xmlns:p14="http://schemas.microsoft.com/office/powerpoint/2010/main" val="2605701207"/>
+        <p14:creationId xmlns:p14="http://schemas.microsoft.com/office/powerpoint/2010/main" val="2339638301"/>
       </p:ext>
     </p:extLst>
   </p:cSld>
   <p:clrMapOvr>
     <a:masterClrMapping/>
   </p:clrMapOvr>
+  <p:timing>
+    <p:tnLst>
+      <p:par>
+        <p:cTn xmlns:p14="http://schemas.microsoft.com/office/powerpoint/2010/main" id="1" dur="indefinite" restart="never" nodeType="tmRoot"/>
+      </p:par>
+    </p:tnLst>
+  </p:timing>
 </p:sld>
 </file>
 
@@ -6928,7 +7190,7 @@
           <a:p>
             <a:r>
               <a:rPr lang="en-US" dirty="0" smtClean="0"/>
-              <a:t>Scheduling algorithms</a:t>
+              <a:t>Use cases</a:t>
             </a:r>
             <a:endParaRPr lang="en-US" dirty="0"/>
           </a:p>
@@ -6936,142 +7198,57 @@
       </p:sp>
       <p:sp>
         <p:nvSpPr>
-          <p:cNvPr id="4" name="Text Placeholder 3"/>
-          <p:cNvSpPr>
-            <a:spLocks noGrp="1"/>
-          </p:cNvSpPr>
-          <p:nvPr>
-            <p:ph type="body" idx="1"/>
-          </p:nvPr>
-        </p:nvSpPr>
-        <p:spPr/>
-        <p:txBody>
-          <a:bodyPr/>
-          <a:lstStyle/>
-          <a:p>
-            <a:r>
-              <a:rPr lang="en-US" dirty="0" smtClean="0"/>
-              <a:t>Job Scheduler </a:t>
-            </a:r>
-            <a:endParaRPr lang="en-US" dirty="0"/>
-          </a:p>
-        </p:txBody>
-      </p:sp>
-      <p:sp>
-        <p:nvSpPr>
-          <p:cNvPr id="5" name="Content Placeholder 4"/>
-          <p:cNvSpPr>
-            <a:spLocks noGrp="1"/>
-          </p:cNvSpPr>
-          <p:nvPr>
-            <p:ph sz="half" idx="2"/>
-          </p:nvPr>
-        </p:nvSpPr>
-        <p:spPr/>
-        <p:txBody>
-          <a:bodyPr/>
-          <a:lstStyle/>
-          <a:p>
-            <a:pPr>
-              <a:lnSpc>
-                <a:spcPct val="150000"/>
-              </a:lnSpc>
+          <p:cNvPr id="7" name="Content Placeholder 6"/>
+          <p:cNvSpPr>
+            <a:spLocks noGrp="1"/>
+          </p:cNvSpPr>
+          <p:nvPr>
+            <p:ph idx="1"/>
+          </p:nvPr>
+        </p:nvSpPr>
+        <p:spPr/>
+        <p:txBody>
+          <a:bodyPr/>
+          <a:lstStyle/>
+          <a:p>
+            <a:pPr marL="342900" indent="-342900">
+              <a:buFont typeface="Arial"/>
+              <a:buChar char="•"/>
             </a:pPr>
             <a:r>
               <a:rPr lang="en-US" dirty="0" smtClean="0"/>
-              <a:t>Round-Robin</a:t>
-            </a:r>
-          </a:p>
-          <a:p>
-            <a:pPr>
-              <a:lnSpc>
-                <a:spcPct val="150000"/>
-              </a:lnSpc>
+              <a:t>Job-based library</a:t>
+            </a:r>
+          </a:p>
+          <a:p>
+            <a:pPr marL="342900" indent="-342900">
+              <a:buFont typeface="Arial"/>
+              <a:buChar char="•"/>
             </a:pPr>
             <a:r>
               <a:rPr lang="en-US" dirty="0" smtClean="0"/>
-              <a:t>First-In-First-Out</a:t>
-            </a:r>
-            <a:endParaRPr lang="en-US" dirty="0"/>
-          </a:p>
-        </p:txBody>
-      </p:sp>
-      <p:sp>
-        <p:nvSpPr>
-          <p:cNvPr id="6" name="Text Placeholder 5"/>
-          <p:cNvSpPr>
-            <a:spLocks noGrp="1"/>
-          </p:cNvSpPr>
-          <p:nvPr>
-            <p:ph type="body" sz="quarter" idx="3"/>
-          </p:nvPr>
-        </p:nvSpPr>
-        <p:spPr/>
-        <p:txBody>
-          <a:bodyPr/>
-          <a:lstStyle/>
-          <a:p>
-            <a:r>
-              <a:rPr lang="en-US" dirty="0" smtClean="0"/>
-              <a:t>Device scheduler</a:t>
-            </a:r>
-            <a:endParaRPr lang="en-US" dirty="0"/>
-          </a:p>
-        </p:txBody>
-      </p:sp>
-      <p:sp>
-        <p:nvSpPr>
-          <p:cNvPr id="7" name="Content Placeholder 6"/>
-          <p:cNvSpPr>
-            <a:spLocks noGrp="1"/>
-          </p:cNvSpPr>
-          <p:nvPr>
-            <p:ph sz="quarter" idx="4"/>
-          </p:nvPr>
-        </p:nvSpPr>
-        <p:spPr/>
-        <p:txBody>
-          <a:bodyPr/>
-          <a:lstStyle/>
-          <a:p>
-            <a:pPr>
-              <a:lnSpc>
-                <a:spcPct val="150000"/>
-              </a:lnSpc>
+              <a:t>Local cluster</a:t>
+            </a:r>
+          </a:p>
+          <a:p>
+            <a:pPr marL="342900" indent="-342900">
+              <a:buFont typeface="Arial"/>
+              <a:buChar char="•"/>
             </a:pPr>
             <a:r>
               <a:rPr lang="en-US" dirty="0" smtClean="0"/>
-              <a:t>Device Preference</a:t>
-            </a:r>
-          </a:p>
-          <a:p>
-            <a:pPr>
-              <a:lnSpc>
-                <a:spcPct val="150000"/>
-              </a:lnSpc>
+              <a:t>Hybrid cluster</a:t>
+            </a:r>
+          </a:p>
+          <a:p>
+            <a:pPr marL="342900" indent="-342900">
+              <a:buFont typeface="Arial"/>
+              <a:buChar char="•"/>
             </a:pPr>
             <a:r>
               <a:rPr lang="en-US" dirty="0" smtClean="0"/>
-              <a:t>Performance Based</a:t>
-            </a:r>
-          </a:p>
-          <a:p>
-            <a:pPr>
-              <a:lnSpc>
-                <a:spcPct val="150000"/>
-              </a:lnSpc>
-            </a:pPr>
-            <a:r>
-              <a:rPr lang="en-US" dirty="0" smtClean="0"/>
-              <a:t>Network Based</a:t>
-            </a:r>
-          </a:p>
-          <a:p>
-            <a:pPr>
-              <a:lnSpc>
-                <a:spcPct val="150000"/>
-              </a:lnSpc>
-            </a:pPr>
+              <a:t>Cloud Cluster</a:t>
+            </a:r>
             <a:endParaRPr lang="en-US" dirty="0"/>
           </a:p>
         </p:txBody>
@@ -7079,13 +7256,20 @@
     </p:spTree>
     <p:extLst>
       <p:ext uri="{BB962C8B-B14F-4D97-AF65-F5344CB8AC3E}">
-        <p14:creationId xmlns:p14="http://schemas.microsoft.com/office/powerpoint/2010/main" val="2339638301"/>
+        <p14:creationId xmlns:p14="http://schemas.microsoft.com/office/powerpoint/2010/main" val="3006823814"/>
       </p:ext>
     </p:extLst>
   </p:cSld>
   <p:clrMapOvr>
     <a:masterClrMapping/>
   </p:clrMapOvr>
+  <p:timing>
+    <p:tnLst>
+      <p:par>
+        <p:cTn xmlns:p14="http://schemas.microsoft.com/office/powerpoint/2010/main" id="1" dur="indefinite" restart="never" nodeType="tmRoot"/>
+      </p:par>
+    </p:tnLst>
+  </p:timing>
 </p:sld>
 </file>
 
@@ -7158,6 +7342,21 @@
   <p:clrMapOvr>
     <a:masterClrMapping/>
   </p:clrMapOvr>
+  <mc:AlternateContent xmlns:mc="http://schemas.openxmlformats.org/markup-compatibility/2006">
+    <mc:Choice xmlns:p14="http://schemas.microsoft.com/office/powerpoint/2010/main" Requires="p14">
+      <p:transition spd="slow" p14:dur="2000" advTm="3315"/>
+    </mc:Choice>
+    <mc:Fallback>
+      <p:transition xmlns:p14="http://schemas.microsoft.com/office/powerpoint/2010/main" spd="slow" advTm="3315"/>
+    </mc:Fallback>
+  </mc:AlternateContent>
+  <p:timing>
+    <p:tnLst>
+      <p:par>
+        <p:cTn xmlns:p14="http://schemas.microsoft.com/office/powerpoint/2010/main" id="1" dur="indefinite" restart="never" nodeType="tmRoot"/>
+      </p:par>
+    </p:tnLst>
+  </p:timing>
 </p:sld>
 </file>
 
@@ -7180,7 +7379,7 @@
       </p:grpSpPr>
       <p:sp>
         <p:nvSpPr>
-          <p:cNvPr id="2" name="Title 1"/>
+          <p:cNvPr id="4" name="Title 3"/>
           <p:cNvSpPr>
             <a:spLocks noGrp="1"/>
           </p:cNvSpPr>
@@ -7195,7 +7394,7 @@
           <a:p>
             <a:r>
               <a:rPr lang="en-US" dirty="0" smtClean="0"/>
-              <a:t>Use cases</a:t>
+              <a:t>Evaluation</a:t>
             </a:r>
             <a:endParaRPr lang="en-US" dirty="0"/>
           </a:p>
@@ -7203,71 +7402,40 @@
       </p:sp>
       <p:sp>
         <p:nvSpPr>
-          <p:cNvPr id="7" name="Content Placeholder 6"/>
-          <p:cNvSpPr>
-            <a:spLocks noGrp="1"/>
-          </p:cNvSpPr>
-          <p:nvPr>
-            <p:ph idx="1"/>
-          </p:nvPr>
-        </p:nvSpPr>
-        <p:spPr/>
-        <p:txBody>
-          <a:bodyPr/>
-          <a:lstStyle/>
-          <a:p>
-            <a:pPr marL="342900" indent="-342900">
-              <a:buFont typeface="Arial"/>
-              <a:buChar char="•"/>
-            </a:pPr>
-            <a:r>
-              <a:rPr lang="en-US" dirty="0" smtClean="0"/>
-              <a:t>Job-based library</a:t>
-            </a:r>
-          </a:p>
-          <a:p>
-            <a:pPr marL="342900" indent="-342900">
-              <a:buFont typeface="Arial"/>
-              <a:buChar char="•"/>
-            </a:pPr>
-            <a:r>
-              <a:rPr lang="en-US" dirty="0" smtClean="0"/>
-              <a:t>Local cluster</a:t>
-            </a:r>
-          </a:p>
-          <a:p>
-            <a:pPr marL="342900" indent="-342900">
-              <a:buFont typeface="Arial"/>
-              <a:buChar char="•"/>
-            </a:pPr>
-            <a:r>
-              <a:rPr lang="en-US" dirty="0" smtClean="0"/>
-              <a:t>Hybrid cluster</a:t>
-            </a:r>
-          </a:p>
-          <a:p>
-            <a:pPr marL="342900" indent="-342900">
-              <a:buFont typeface="Arial"/>
-              <a:buChar char="•"/>
-            </a:pPr>
-            <a:r>
-              <a:rPr lang="en-US" dirty="0" smtClean="0"/>
-              <a:t>Cloud Cluster</a:t>
-            </a:r>
-            <a:endParaRPr lang="en-US" dirty="0"/>
+          <p:cNvPr id="5" name="Text Placeholder 4"/>
+          <p:cNvSpPr>
+            <a:spLocks noGrp="1"/>
+          </p:cNvSpPr>
+          <p:nvPr>
+            <p:ph type="body" idx="1"/>
+          </p:nvPr>
+        </p:nvSpPr>
+        <p:spPr/>
+        <p:txBody>
+          <a:bodyPr/>
+          <a:lstStyle/>
+          <a:p>
+            <a:endParaRPr lang="en-US"/>
           </a:p>
         </p:txBody>
       </p:sp>
     </p:spTree>
     <p:extLst>
       <p:ext uri="{BB962C8B-B14F-4D97-AF65-F5344CB8AC3E}">
-        <p14:creationId xmlns:p14="http://schemas.microsoft.com/office/powerpoint/2010/main" val="3006823814"/>
+        <p14:creationId xmlns:p14="http://schemas.microsoft.com/office/powerpoint/2010/main" val="2549807122"/>
       </p:ext>
     </p:extLst>
   </p:cSld>
   <p:clrMapOvr>
     <a:masterClrMapping/>
   </p:clrMapOvr>
+  <p:timing>
+    <p:tnLst>
+      <p:par>
+        <p:cTn xmlns:p14="http://schemas.microsoft.com/office/powerpoint/2010/main" id="1" dur="indefinite" restart="never" nodeType="tmRoot"/>
+      </p:par>
+    </p:tnLst>
+  </p:timing>
 </p:sld>
 </file>
 
@@ -7305,7 +7473,7 @@
           <a:p>
             <a:r>
               <a:rPr lang="en-US" dirty="0" smtClean="0"/>
-              <a:t>Evaluation</a:t>
+              <a:t>Benchmark setup</a:t>
             </a:r>
             <a:endParaRPr lang="en-US" dirty="0"/>
           </a:p>
@@ -7313,33 +7481,115 @@
       </p:sp>
       <p:sp>
         <p:nvSpPr>
-          <p:cNvPr id="5" name="Text Placeholder 4"/>
-          <p:cNvSpPr>
-            <a:spLocks noGrp="1"/>
-          </p:cNvSpPr>
-          <p:nvPr>
-            <p:ph type="body" idx="1"/>
-          </p:nvPr>
-        </p:nvSpPr>
-        <p:spPr/>
-        <p:txBody>
-          <a:bodyPr/>
-          <a:lstStyle/>
-          <a:p>
-            <a:endParaRPr lang="en-US"/>
+          <p:cNvPr id="5" name="Content Placeholder 4"/>
+          <p:cNvSpPr>
+            <a:spLocks noGrp="1"/>
+          </p:cNvSpPr>
+          <p:nvPr>
+            <p:ph idx="1"/>
+          </p:nvPr>
+        </p:nvSpPr>
+        <p:spPr/>
+        <p:txBody>
+          <a:bodyPr/>
+          <a:lstStyle/>
+          <a:p>
+            <a:pPr marL="342900" indent="-342900">
+              <a:buFont typeface="Arial"/>
+              <a:buChar char="•"/>
+            </a:pPr>
+            <a:r>
+              <a:rPr lang="en-US" dirty="0" smtClean="0"/>
+              <a:t>Local FSOC hardware</a:t>
+            </a:r>
+          </a:p>
+          <a:p>
+            <a:pPr marL="342900" indent="-342900">
+              <a:buFont typeface="Arial"/>
+              <a:buChar char="•"/>
+            </a:pPr>
+            <a:r>
+              <a:rPr lang="en-US" dirty="0" smtClean="0"/>
+              <a:t>EC2 CPUs and GPUs</a:t>
+            </a:r>
+          </a:p>
+          <a:p>
+            <a:pPr marL="342900" indent="-342900">
+              <a:buFont typeface="Arial"/>
+              <a:buChar char="•"/>
+            </a:pPr>
+            <a:r>
+              <a:rPr lang="en-US" dirty="0" smtClean="0"/>
+              <a:t>Local, hybrid and cloud cluster</a:t>
+            </a:r>
+          </a:p>
+          <a:p>
+            <a:pPr marL="342900" indent="-342900">
+              <a:buFont typeface="Arial"/>
+              <a:buChar char="•"/>
+            </a:pPr>
+            <a:endParaRPr lang="en-US" dirty="0" smtClean="0"/>
+          </a:p>
+          <a:p>
+            <a:pPr marL="342900" indent="-342900">
+              <a:buFont typeface="Arial"/>
+              <a:buChar char="•"/>
+            </a:pPr>
+            <a:r>
+              <a:rPr lang="en-US" dirty="0" smtClean="0"/>
+              <a:t>Various Computations</a:t>
+            </a:r>
+          </a:p>
+          <a:p>
+            <a:pPr marL="800100" lvl="1" indent="-342900">
+              <a:buFont typeface="Arial"/>
+              <a:buChar char="•"/>
+            </a:pPr>
+            <a:r>
+              <a:rPr lang="en-US" dirty="0" smtClean="0"/>
+              <a:t>Matrix Multiplication (data-heavy)</a:t>
+            </a:r>
+          </a:p>
+          <a:p>
+            <a:pPr marL="800100" lvl="1" indent="-342900">
+              <a:buFont typeface="Arial"/>
+              <a:buChar char="•"/>
+            </a:pPr>
+            <a:r>
+              <a:rPr lang="en-US" dirty="0" smtClean="0"/>
+              <a:t>Mandelbrot Set (computation-heavy)</a:t>
+            </a:r>
+          </a:p>
+          <a:p>
+            <a:pPr marL="800100" lvl="1" indent="-342900">
+              <a:buFont typeface="Arial"/>
+              <a:buChar char="•"/>
+            </a:pPr>
+            <a:r>
+              <a:rPr lang="en-US" dirty="0" smtClean="0"/>
+              <a:t>Multiple jobs in parallel: Matrix Multiplication, Mandelbrot, K-means and N-body</a:t>
+            </a:r>
+            <a:endParaRPr lang="en-US" dirty="0"/>
           </a:p>
         </p:txBody>
       </p:sp>
     </p:spTree>
     <p:extLst>
       <p:ext uri="{BB962C8B-B14F-4D97-AF65-F5344CB8AC3E}">
-        <p14:creationId xmlns:p14="http://schemas.microsoft.com/office/powerpoint/2010/main" val="2549807122"/>
+        <p14:creationId xmlns:p14="http://schemas.microsoft.com/office/powerpoint/2010/main" val="2684660176"/>
       </p:ext>
     </p:extLst>
   </p:cSld>
   <p:clrMapOvr>
     <a:masterClrMapping/>
   </p:clrMapOvr>
+  <p:timing>
+    <p:tnLst>
+      <p:par>
+        <p:cTn xmlns:p14="http://schemas.microsoft.com/office/powerpoint/2010/main" id="1" dur="indefinite" restart="never" nodeType="tmRoot"/>
+      </p:par>
+    </p:tnLst>
+  </p:timing>
 </p:sld>
 </file>
 
@@ -7362,7 +7612,7 @@
       </p:grpSpPr>
       <p:sp>
         <p:nvSpPr>
-          <p:cNvPr id="4" name="Title 3"/>
+          <p:cNvPr id="2" name="Title 1"/>
           <p:cNvSpPr>
             <a:spLocks noGrp="1"/>
           </p:cNvSpPr>
@@ -7377,7 +7627,7 @@
           <a:p>
             <a:r>
               <a:rPr lang="en-US" dirty="0" smtClean="0"/>
-              <a:t>Benchmark setup</a:t>
+              <a:t>Hardware</a:t>
             </a:r>
             <a:endParaRPr lang="en-US" dirty="0"/>
           </a:p>
@@ -7385,7 +7635,7 @@
       </p:sp>
       <p:sp>
         <p:nvSpPr>
-          <p:cNvPr id="5" name="Content Placeholder 4"/>
+          <p:cNvPr id="3" name="Content Placeholder 2"/>
           <p:cNvSpPr>
             <a:spLocks noGrp="1"/>
           </p:cNvSpPr>
@@ -7395,83 +7645,97 @@
         </p:nvSpPr>
         <p:spPr/>
         <p:txBody>
-          <a:bodyPr/>
-          <a:lstStyle/>
-          <a:p>
-            <a:pPr marL="342900" indent="-342900">
-              <a:buFont typeface="Arial"/>
-              <a:buChar char="•"/>
-            </a:pPr>
-            <a:r>
-              <a:rPr lang="en-US" dirty="0" smtClean="0"/>
-              <a:t>Local FSOC hardware</a:t>
-            </a:r>
-          </a:p>
-          <a:p>
-            <a:pPr marL="342900" indent="-342900">
-              <a:buFont typeface="Arial"/>
-              <a:buChar char="•"/>
-            </a:pPr>
-            <a:r>
-              <a:rPr lang="en-US" dirty="0" smtClean="0"/>
-              <a:t>EC2 CPUs and GPUs</a:t>
-            </a:r>
-          </a:p>
-          <a:p>
-            <a:pPr marL="342900" indent="-342900">
-              <a:buFont typeface="Arial"/>
-              <a:buChar char="•"/>
-            </a:pPr>
-            <a:r>
-              <a:rPr lang="en-US" dirty="0" smtClean="0"/>
-              <a:t>Local, hybrid and cloud cluster</a:t>
-            </a:r>
-          </a:p>
-          <a:p>
-            <a:pPr marL="342900" indent="-342900">
-              <a:buFont typeface="Arial"/>
-              <a:buChar char="•"/>
-            </a:pPr>
+          <a:bodyPr>
+            <a:normAutofit fontScale="92500" lnSpcReduction="10000"/>
+          </a:bodyPr>
+          <a:lstStyle/>
+          <a:p>
+            <a:r>
+              <a:rPr lang="en-US" dirty="0" smtClean="0"/>
+              <a:t>Local Machine Type A:</a:t>
+            </a:r>
+          </a:p>
+          <a:p>
+            <a:r>
+              <a:rPr lang="en-US" dirty="0" smtClean="0"/>
+              <a:t>144 logical cores and 1 </a:t>
+            </a:r>
+            <a:r>
+              <a:rPr lang="en-US" dirty="0" err="1" smtClean="0"/>
+              <a:t>Gbit</a:t>
+            </a:r>
+            <a:r>
+              <a:rPr lang="en-US" dirty="0" smtClean="0"/>
+              <a:t>/s Ethernet</a:t>
+            </a:r>
+          </a:p>
+          <a:p>
             <a:endParaRPr lang="en-US" dirty="0" smtClean="0"/>
           </a:p>
           <a:p>
-            <a:pPr marL="342900" indent="-342900">
-              <a:buFont typeface="Arial"/>
-              <a:buChar char="•"/>
-            </a:pPr>
-            <a:r>
-              <a:rPr lang="en-US" dirty="0" smtClean="0"/>
-              <a:t>Various Computations</a:t>
-            </a:r>
-          </a:p>
-          <a:p>
-            <a:pPr marL="800100" lvl="1" indent="-342900">
-              <a:buFont typeface="Arial"/>
-              <a:buChar char="•"/>
-            </a:pPr>
-            <a:r>
-              <a:rPr lang="en-US" dirty="0" smtClean="0"/>
-              <a:t>Matrix Multiplication (data-heavy)</a:t>
-            </a:r>
-          </a:p>
-          <a:p>
-            <a:pPr marL="800100" lvl="1" indent="-342900">
-              <a:buFont typeface="Arial"/>
-              <a:buChar char="•"/>
-            </a:pPr>
-            <a:r>
-              <a:rPr lang="en-US" dirty="0" smtClean="0"/>
-              <a:t>Mandelbrot Set (computation-heavy)</a:t>
-            </a:r>
-          </a:p>
-          <a:p>
-            <a:pPr marL="800100" lvl="1" indent="-342900">
-              <a:buFont typeface="Arial"/>
-              <a:buChar char="•"/>
-            </a:pPr>
-            <a:r>
-              <a:rPr lang="en-US" dirty="0" smtClean="0"/>
-              <a:t>Multiple jobs in parallel: Matrix Multiplication, Mandelbrot, K-means and N-body</a:t>
+            <a:r>
+              <a:rPr lang="en-US" dirty="0" smtClean="0"/>
+              <a:t>Local Machine Type B:</a:t>
+            </a:r>
+          </a:p>
+          <a:p>
+            <a:r>
+              <a:rPr lang="en-US" dirty="0" smtClean="0"/>
+              <a:t>8 logical cores and 10 </a:t>
+            </a:r>
+            <a:r>
+              <a:rPr lang="en-US" dirty="0" err="1" smtClean="0"/>
+              <a:t>Gbit</a:t>
+            </a:r>
+            <a:r>
+              <a:rPr lang="en-US" dirty="0" smtClean="0"/>
+              <a:t>/s Ethernet</a:t>
+            </a:r>
+          </a:p>
+          <a:p>
+            <a:endParaRPr lang="en-US" dirty="0"/>
+          </a:p>
+          <a:p>
+            <a:r>
+              <a:rPr lang="en-US" dirty="0" smtClean="0"/>
+              <a:t>EC2 c4.8xlarge:</a:t>
+            </a:r>
+          </a:p>
+          <a:p>
+            <a:r>
+              <a:rPr lang="en-US" dirty="0" smtClean="0"/>
+              <a:t>36 logical cores and 10 </a:t>
+            </a:r>
+            <a:r>
+              <a:rPr lang="en-US" dirty="0" err="1" smtClean="0"/>
+              <a:t>Gbit</a:t>
+            </a:r>
+            <a:r>
+              <a:rPr lang="en-US" dirty="0" smtClean="0"/>
+              <a:t>/s Ethernet</a:t>
+            </a:r>
+          </a:p>
+          <a:p>
+            <a:endParaRPr lang="en-US" dirty="0" smtClean="0"/>
+          </a:p>
+          <a:p>
+            <a:r>
+              <a:rPr lang="en-US" dirty="0" smtClean="0"/>
+              <a:t>EC2 g2.2xlarge:</a:t>
+            </a:r>
+          </a:p>
+          <a:p>
+            <a:r>
+              <a:rPr lang="en-US" dirty="0" smtClean="0"/>
+              <a:t>NVIDIA GRID K520 and 1 </a:t>
+            </a:r>
+            <a:r>
+              <a:rPr lang="en-US" dirty="0" err="1" smtClean="0"/>
+              <a:t>Gbit</a:t>
+            </a:r>
+            <a:r>
+              <a:rPr lang="en-US" dirty="0" smtClean="0"/>
+              <a:t>/s Ethernet</a:t>
             </a:r>
             <a:endParaRPr lang="en-US" dirty="0"/>
           </a:p>
@@ -7480,13 +7744,20 @@
     </p:spTree>
     <p:extLst>
       <p:ext uri="{BB962C8B-B14F-4D97-AF65-F5344CB8AC3E}">
-        <p14:creationId xmlns:p14="http://schemas.microsoft.com/office/powerpoint/2010/main" val="2684660176"/>
+        <p14:creationId xmlns:p14="http://schemas.microsoft.com/office/powerpoint/2010/main" val="2891389372"/>
       </p:ext>
     </p:extLst>
   </p:cSld>
   <p:clrMapOvr>
     <a:masterClrMapping/>
   </p:clrMapOvr>
+  <p:timing>
+    <p:tnLst>
+      <p:par>
+        <p:cTn xmlns:p14="http://schemas.microsoft.com/office/powerpoint/2010/main" id="1" dur="indefinite" restart="never" nodeType="tmRoot"/>
+      </p:par>
+    </p:tnLst>
+  </p:timing>
 </p:sld>
 </file>
 
@@ -7563,6 +7834,13 @@
   <p:clrMapOvr>
     <a:masterClrMapping/>
   </p:clrMapOvr>
+  <p:timing>
+    <p:tnLst>
+      <p:par>
+        <p:cTn xmlns:p14="http://schemas.microsoft.com/office/powerpoint/2010/main" id="1" dur="indefinite" restart="never" nodeType="tmRoot"/>
+      </p:par>
+    </p:tnLst>
+  </p:timing>
 </p:sld>
 </file>
 
@@ -7647,6 +7925,13 @@
   <p:clrMapOvr>
     <a:masterClrMapping/>
   </p:clrMapOvr>
+  <p:timing>
+    <p:tnLst>
+      <p:par>
+        <p:cTn xmlns:p14="http://schemas.microsoft.com/office/powerpoint/2010/main" id="1" dur="indefinite" restart="never" nodeType="tmRoot"/>
+      </p:par>
+    </p:tnLst>
+  </p:timing>
 </p:sld>
 </file>
 
@@ -7723,6 +8008,13 @@
   <p:clrMapOvr>
     <a:masterClrMapping/>
   </p:clrMapOvr>
+  <p:timing>
+    <p:tnLst>
+      <p:par>
+        <p:cTn xmlns:p14="http://schemas.microsoft.com/office/powerpoint/2010/main" id="1" dur="indefinite" restart="never" nodeType="tmRoot"/>
+      </p:par>
+    </p:tnLst>
+  </p:timing>
 </p:sld>
 </file>
 
@@ -7799,6 +8091,13 @@
   <p:clrMapOvr>
     <a:masterClrMapping/>
   </p:clrMapOvr>
+  <p:timing>
+    <p:tnLst>
+      <p:par>
+        <p:cTn xmlns:p14="http://schemas.microsoft.com/office/powerpoint/2010/main" id="1" dur="indefinite" restart="never" nodeType="tmRoot"/>
+      </p:par>
+    </p:tnLst>
+  </p:timing>
 </p:sld>
 </file>
 
@@ -7883,6 +8182,13 @@
   <p:clrMapOvr>
     <a:masterClrMapping/>
   </p:clrMapOvr>
+  <p:timing>
+    <p:tnLst>
+      <p:par>
+        <p:cTn xmlns:p14="http://schemas.microsoft.com/office/powerpoint/2010/main" id="1" dur="indefinite" restart="never" nodeType="tmRoot"/>
+      </p:par>
+    </p:tnLst>
+  </p:timing>
 </p:sld>
 </file>
 
@@ -7963,6 +8269,13 @@
   <p:clrMapOvr>
     <a:masterClrMapping/>
   </p:clrMapOvr>
+  <p:timing>
+    <p:tnLst>
+      <p:par>
+        <p:cTn xmlns:p14="http://schemas.microsoft.com/office/powerpoint/2010/main" id="1" dur="indefinite" restart="never" nodeType="tmRoot"/>
+      </p:par>
+    </p:tnLst>
+  </p:timing>
 </p:sld>
 </file>
 
@@ -8039,6 +8352,13 @@
   <p:clrMapOvr>
     <a:masterClrMapping/>
   </p:clrMapOvr>
+  <p:timing>
+    <p:tnLst>
+      <p:par>
+        <p:cTn xmlns:p14="http://schemas.microsoft.com/office/powerpoint/2010/main" id="1" dur="indefinite" restart="never" nodeType="tmRoot"/>
+      </p:par>
+    </p:tnLst>
+  </p:timing>
 </p:sld>
 </file>
 
@@ -8179,6 +8499,21 @@
   <p:clrMapOvr>
     <a:masterClrMapping/>
   </p:clrMapOvr>
+  <mc:AlternateContent xmlns:mc="http://schemas.openxmlformats.org/markup-compatibility/2006">
+    <mc:Choice xmlns:p14="http://schemas.microsoft.com/office/powerpoint/2010/main" Requires="p14">
+      <p:transition spd="slow" p14:dur="2000" advTm="56589"/>
+    </mc:Choice>
+    <mc:Fallback>
+      <p:transition xmlns:p14="http://schemas.microsoft.com/office/powerpoint/2010/main" spd="slow" advTm="56589"/>
+    </mc:Fallback>
+  </mc:AlternateContent>
+  <p:timing>
+    <p:tnLst>
+      <p:par>
+        <p:cTn xmlns:p14="http://schemas.microsoft.com/office/powerpoint/2010/main" id="1" dur="indefinite" restart="never" nodeType="tmRoot"/>
+      </p:par>
+    </p:tnLst>
+  </p:timing>
 </p:sld>
 </file>
 
@@ -8263,6 +8598,13 @@
   <p:clrMapOvr>
     <a:masterClrMapping/>
   </p:clrMapOvr>
+  <p:timing>
+    <p:tnLst>
+      <p:par>
+        <p:cTn xmlns:p14="http://schemas.microsoft.com/office/powerpoint/2010/main" id="1" dur="indefinite" restart="never" nodeType="tmRoot"/>
+      </p:par>
+    </p:tnLst>
+  </p:timing>
 </p:sld>
 </file>
 
@@ -8343,6 +8685,13 @@
   <p:clrMapOvr>
     <a:masterClrMapping/>
   </p:clrMapOvr>
+  <p:timing>
+    <p:tnLst>
+      <p:par>
+        <p:cTn xmlns:p14="http://schemas.microsoft.com/office/powerpoint/2010/main" id="1" dur="indefinite" restart="never" nodeType="tmRoot"/>
+      </p:par>
+    </p:tnLst>
+  </p:timing>
 </p:sld>
 </file>
 
@@ -8419,6 +8768,13 @@
   <p:clrMapOvr>
     <a:masterClrMapping/>
   </p:clrMapOvr>
+  <p:timing>
+    <p:tnLst>
+      <p:par>
+        <p:cTn xmlns:p14="http://schemas.microsoft.com/office/powerpoint/2010/main" id="1" dur="indefinite" restart="never" nodeType="tmRoot"/>
+      </p:par>
+    </p:tnLst>
+  </p:timing>
 </p:sld>
 </file>
 
@@ -8503,6 +8859,13 @@
   <p:clrMapOvr>
     <a:masterClrMapping/>
   </p:clrMapOvr>
+  <p:timing>
+    <p:tnLst>
+      <p:par>
+        <p:cTn xmlns:p14="http://schemas.microsoft.com/office/powerpoint/2010/main" id="1" dur="indefinite" restart="never" nodeType="tmRoot"/>
+      </p:par>
+    </p:tnLst>
+  </p:timing>
 </p:sld>
 </file>
 
@@ -8583,6 +8946,13 @@
   <p:clrMapOvr>
     <a:masterClrMapping/>
   </p:clrMapOvr>
+  <p:timing>
+    <p:tnLst>
+      <p:par>
+        <p:cTn xmlns:p14="http://schemas.microsoft.com/office/powerpoint/2010/main" id="1" dur="indefinite" restart="never" nodeType="tmRoot"/>
+      </p:par>
+    </p:tnLst>
+  </p:timing>
 </p:sld>
 </file>
 
@@ -8628,7 +8998,7 @@
       </p:sp>
       <p:pic>
         <p:nvPicPr>
-          <p:cNvPr id="14" name="Content Placeholder 13" descr="hybrid_full_compare.pdf"/>
+          <p:cNvPr id="16" name="Content Placeholder 15" descr="hybrid_full_compare.pdf"/>
           <p:cNvPicPr>
             <a:picLocks noGrp="1" noChangeAspect="1"/>
           </p:cNvPicPr>
@@ -8644,7 +9014,7 @@
               </a:ext>
             </a:extLst>
           </a:blip>
-          <a:srcRect t="-8549" b="-8549"/>
+          <a:srcRect t="-11880" b="-11880"/>
           <a:stretch/>
         </p:blipFill>
         <p:spPr/>
@@ -8659,6 +9029,13 @@
   <p:clrMapOvr>
     <a:masterClrMapping/>
   </p:clrMapOvr>
+  <p:timing>
+    <p:tnLst>
+      <p:par>
+        <p:cTn xmlns:p14="http://schemas.microsoft.com/office/powerpoint/2010/main" id="1" dur="indefinite" restart="never" nodeType="tmRoot"/>
+      </p:par>
+    </p:tnLst>
+  </p:timing>
 </p:sld>
 </file>
 
@@ -8731,6 +9108,13 @@
   <p:clrMapOvr>
     <a:masterClrMapping/>
   </p:clrMapOvr>
+  <p:timing>
+    <p:tnLst>
+      <p:par>
+        <p:cTn xmlns:p14="http://schemas.microsoft.com/office/powerpoint/2010/main" id="1" dur="indefinite" restart="never" nodeType="tmRoot"/>
+      </p:par>
+    </p:tnLst>
+  </p:timing>
 </p:sld>
 </file>
 
@@ -8844,6 +9228,13 @@
   <p:clrMapOvr>
     <a:masterClrMapping/>
   </p:clrMapOvr>
+  <p:timing>
+    <p:tnLst>
+      <p:par>
+        <p:cTn xmlns:p14="http://schemas.microsoft.com/office/powerpoint/2010/main" id="1" dur="indefinite" restart="never" nodeType="tmRoot"/>
+      </p:par>
+    </p:tnLst>
+  </p:timing>
 </p:sld>
 </file>
 
@@ -8974,6 +9365,13 @@
   <p:clrMapOvr>
     <a:masterClrMapping/>
   </p:clrMapOvr>
+  <p:timing>
+    <p:tnLst>
+      <p:par>
+        <p:cTn xmlns:p14="http://schemas.microsoft.com/office/powerpoint/2010/main" id="1" dur="indefinite" restart="never" nodeType="tmRoot"/>
+      </p:par>
+    </p:tnLst>
+  </p:timing>
 </p:sld>
 </file>
 
@@ -9046,6 +9444,13 @@
   <p:clrMapOvr>
     <a:masterClrMapping/>
   </p:clrMapOvr>
+  <p:timing>
+    <p:tnLst>
+      <p:par>
+        <p:cTn xmlns:p14="http://schemas.microsoft.com/office/powerpoint/2010/main" id="1" dur="indefinite" restart="never" nodeType="tmRoot"/>
+      </p:par>
+    </p:tnLst>
+  </p:timing>
 </p:sld>
 </file>
 
@@ -9212,6 +9617,21 @@
   <p:clrMapOvr>
     <a:masterClrMapping/>
   </p:clrMapOvr>
+  <mc:AlternateContent xmlns:mc="http://schemas.openxmlformats.org/markup-compatibility/2006">
+    <mc:Choice xmlns:p14="http://schemas.microsoft.com/office/powerpoint/2010/main" Requires="p14">
+      <p:transition spd="slow" p14:dur="2000" advTm="99186"/>
+    </mc:Choice>
+    <mc:Fallback>
+      <p:transition xmlns:p14="http://schemas.microsoft.com/office/powerpoint/2010/main" spd="slow" advTm="99186"/>
+    </mc:Fallback>
+  </mc:AlternateContent>
+  <p:timing>
+    <p:tnLst>
+      <p:par>
+        <p:cTn xmlns:p14="http://schemas.microsoft.com/office/powerpoint/2010/main" id="1" dur="indefinite" restart="never" nodeType="tmRoot"/>
+      </p:par>
+    </p:tnLst>
+  </p:timing>
 </p:sld>
 </file>
 
@@ -9320,20 +9740,6 @@
               <a:buChar char="•"/>
             </a:pPr>
             <a:r>
-              <a:rPr lang="en-US" dirty="0" err="1" smtClean="0"/>
-              <a:t>OpenCL</a:t>
-            </a:r>
-            <a:r>
-              <a:rPr lang="en-US" dirty="0" smtClean="0"/>
-              <a:t> device feature set currently ignored by scheduling</a:t>
-            </a:r>
-          </a:p>
-          <a:p>
-            <a:pPr marL="342900" indent="-342900">
-              <a:buFont typeface="Arial"/>
-              <a:buChar char="•"/>
-            </a:pPr>
-            <a:r>
               <a:rPr lang="en-US" dirty="0" smtClean="0"/>
               <a:t>Memory may become bottleneck when many jobs are executed in parallel</a:t>
             </a:r>
@@ -9357,6 +9763,13 @@
   <p:clrMapOvr>
     <a:masterClrMapping/>
   </p:clrMapOvr>
+  <p:timing>
+    <p:tnLst>
+      <p:par>
+        <p:cTn xmlns:p14="http://schemas.microsoft.com/office/powerpoint/2010/main" id="1" dur="indefinite" restart="never" nodeType="tmRoot"/>
+      </p:par>
+    </p:tnLst>
+  </p:timing>
 </p:sld>
 </file>
 
@@ -9486,6 +9899,13 @@
   <p:clrMapOvr>
     <a:masterClrMapping/>
   </p:clrMapOvr>
+  <p:timing>
+    <p:tnLst>
+      <p:par>
+        <p:cTn xmlns:p14="http://schemas.microsoft.com/office/powerpoint/2010/main" id="1" dur="indefinite" restart="never" nodeType="tmRoot"/>
+      </p:par>
+    </p:tnLst>
+  </p:timing>
 </p:sld>
 </file>
 
@@ -9618,6 +10038,13 @@
   <p:clrMapOvr>
     <a:masterClrMapping/>
   </p:clrMapOvr>
+  <p:timing>
+    <p:tnLst>
+      <p:par>
+        <p:cTn xmlns:p14="http://schemas.microsoft.com/office/powerpoint/2010/main" id="1" dur="indefinite" restart="never" nodeType="tmRoot"/>
+      </p:par>
+    </p:tnLst>
+  </p:timing>
 </p:sld>
 </file>
 
@@ -9713,7 +10140,7 @@
             </a:pPr>
             <a:r>
               <a:rPr lang="en-US" dirty="0" smtClean="0"/>
-              <a:t>Easy-to-use API in high-level language</a:t>
+              <a:t>Handling multiple simultaneous jobs efficiently by employing suitable scheduling algorithms</a:t>
             </a:r>
           </a:p>
           <a:p>
@@ -9722,9 +10149,15 @@
               <a:buChar char="•"/>
             </a:pPr>
             <a:r>
-              <a:rPr lang="en-US" dirty="0" smtClean="0"/>
-              <a:t>Handling parallel jobs efficiently by employing suitable scheduling algorithms</a:t>
-            </a:r>
+              <a:rPr lang="en-US" dirty="0"/>
+              <a:t>Easy-to-use API in high-level language</a:t>
+            </a:r>
+          </a:p>
+          <a:p>
+            <a:pPr marL="342900" indent="-342900">
+              <a:buFont typeface="Arial"/>
+              <a:buChar char="•"/>
+            </a:pPr>
             <a:endParaRPr lang="en-US" dirty="0"/>
           </a:p>
         </p:txBody>
@@ -9739,6 +10172,21 @@
   <p:clrMapOvr>
     <a:masterClrMapping/>
   </p:clrMapOvr>
+  <mc:AlternateContent xmlns:mc="http://schemas.openxmlformats.org/markup-compatibility/2006">
+    <mc:Choice xmlns:p14="http://schemas.microsoft.com/office/powerpoint/2010/main" Requires="p14">
+      <p:transition spd="slow" p14:dur="2000" advTm="77092"/>
+    </mc:Choice>
+    <mc:Fallback>
+      <p:transition xmlns:p14="http://schemas.microsoft.com/office/powerpoint/2010/main" spd="slow" advTm="77092"/>
+    </mc:Fallback>
+  </mc:AlternateContent>
+  <p:timing>
+    <p:tnLst>
+      <p:par>
+        <p:cTn xmlns:p14="http://schemas.microsoft.com/office/powerpoint/2010/main" id="1" dur="indefinite" restart="never" nodeType="tmRoot"/>
+      </p:par>
+    </p:tnLst>
+  </p:timing>
 </p:sld>
 </file>
 
@@ -9811,6 +10259,21 @@
   <p:clrMapOvr>
     <a:masterClrMapping/>
   </p:clrMapOvr>
+  <mc:AlternateContent xmlns:mc="http://schemas.openxmlformats.org/markup-compatibility/2006">
+    <mc:Choice xmlns:p14="http://schemas.microsoft.com/office/powerpoint/2010/main" Requires="p14">
+      <p:transition spd="slow" p14:dur="2000" advTm="7804"/>
+    </mc:Choice>
+    <mc:Fallback>
+      <p:transition xmlns:p14="http://schemas.microsoft.com/office/powerpoint/2010/main" spd="slow" advTm="7804"/>
+    </mc:Fallback>
+  </mc:AlternateContent>
+  <p:timing>
+    <p:tnLst>
+      <p:par>
+        <p:cTn xmlns:p14="http://schemas.microsoft.com/office/powerpoint/2010/main" id="1" dur="indefinite" restart="never" nodeType="tmRoot"/>
+      </p:par>
+    </p:tnLst>
+  </p:timing>
 </p:sld>
 </file>
 
@@ -9866,7 +10329,9 @@
         </p:nvSpPr>
         <p:spPr/>
         <p:txBody>
-          <a:bodyPr/>
+          <a:bodyPr>
+            <a:normAutofit/>
+          </a:bodyPr>
           <a:lstStyle/>
           <a:p>
             <a:pPr marL="342900" indent="-342900">
@@ -9874,10 +10339,10 @@
               <a:buChar char="•"/>
             </a:pPr>
             <a:r>
-              <a:rPr lang="en-US" dirty="0" err="1" smtClean="0"/>
+              <a:rPr lang="en-US" sz="2400" dirty="0" err="1" smtClean="0"/>
               <a:t>rCUDA</a:t>
             </a:r>
-            <a:endParaRPr lang="en-US" dirty="0" smtClean="0"/>
+            <a:endParaRPr lang="en-US" sz="2400" dirty="0" smtClean="0"/>
           </a:p>
           <a:p>
             <a:pPr marL="342900" indent="-342900">
@@ -9885,10 +10350,10 @@
               <a:buChar char="•"/>
             </a:pPr>
             <a:r>
-              <a:rPr lang="en-US" dirty="0"/>
+              <a:rPr lang="en-US" sz="2400" dirty="0"/>
               <a:t>Virtualizing CUDA Enabled GPGPUs on ARM Clusters </a:t>
             </a:r>
-            <a:endParaRPr lang="en-US" dirty="0" smtClean="0"/>
+            <a:endParaRPr lang="en-US" sz="2400" dirty="0" smtClean="0"/>
           </a:p>
           <a:p>
             <a:pPr marL="342900" indent="-342900">
@@ -9896,10 +10361,10 @@
               <a:buChar char="•"/>
             </a:pPr>
             <a:r>
-              <a:rPr lang="en-US" dirty="0" err="1" smtClean="0"/>
+              <a:rPr lang="en-US" sz="2400" dirty="0" err="1" smtClean="0"/>
               <a:t>DistCL</a:t>
             </a:r>
-            <a:endParaRPr lang="en-US" dirty="0" smtClean="0"/>
+            <a:endParaRPr lang="en-US" sz="2400" dirty="0" smtClean="0"/>
           </a:p>
           <a:p>
             <a:pPr marL="342900" indent="-342900">
@@ -9907,21 +10372,10 @@
               <a:buChar char="•"/>
             </a:pPr>
             <a:r>
-              <a:rPr lang="en-US" dirty="0" err="1" smtClean="0"/>
+              <a:rPr lang="en-US" sz="2400" dirty="0" err="1" smtClean="0"/>
               <a:t>Hadoop+Aparapi</a:t>
             </a:r>
-            <a:endParaRPr lang="en-US" dirty="0"/>
-          </a:p>
-          <a:p>
-            <a:pPr marL="342900" indent="-342900">
-              <a:buFont typeface="Arial"/>
-              <a:buChar char="•"/>
-            </a:pPr>
-            <a:r>
-              <a:rPr lang="en-US" dirty="0" err="1" smtClean="0"/>
-              <a:t>SnuCL</a:t>
-            </a:r>
-            <a:endParaRPr lang="en-US" dirty="0"/>
+            <a:endParaRPr lang="en-US" sz="2400" dirty="0"/>
           </a:p>
         </p:txBody>
       </p:sp>
@@ -9935,6 +10389,21 @@
   <p:clrMapOvr>
     <a:masterClrMapping/>
   </p:clrMapOvr>
+  <mc:AlternateContent xmlns:mc="http://schemas.openxmlformats.org/markup-compatibility/2006">
+    <mc:Choice xmlns:p14="http://schemas.microsoft.com/office/powerpoint/2010/main" Requires="p14">
+      <p:transition spd="slow" p14:dur="2000" advTm="83824"/>
+    </mc:Choice>
+    <mc:Fallback>
+      <p:transition xmlns:p14="http://schemas.microsoft.com/office/powerpoint/2010/main" spd="slow" advTm="83824"/>
+    </mc:Fallback>
+  </mc:AlternateContent>
+  <p:timing>
+    <p:tnLst>
+      <p:par>
+        <p:cTn xmlns:p14="http://schemas.microsoft.com/office/powerpoint/2010/main" id="1" dur="indefinite" restart="never" nodeType="tmRoot"/>
+      </p:par>
+    </p:tnLst>
+  </p:timing>
 </p:sld>
 </file>
 
@@ -10007,6 +10476,21 @@
   <p:clrMapOvr>
     <a:masterClrMapping/>
   </p:clrMapOvr>
+  <mc:AlternateContent xmlns:mc="http://schemas.openxmlformats.org/markup-compatibility/2006">
+    <mc:Choice xmlns:p14="http://schemas.microsoft.com/office/powerpoint/2010/main" Requires="p14">
+      <p:transition spd="slow" p14:dur="2000" advTm="6262"/>
+    </mc:Choice>
+    <mc:Fallback>
+      <p:transition xmlns:p14="http://schemas.microsoft.com/office/powerpoint/2010/main" spd="slow" advTm="6262"/>
+    </mc:Fallback>
+  </mc:AlternateContent>
+  <p:timing>
+    <p:tnLst>
+      <p:par>
+        <p:cTn xmlns:p14="http://schemas.microsoft.com/office/powerpoint/2010/main" id="1" dur="indefinite" restart="never" nodeType="tmRoot"/>
+      </p:par>
+    </p:tnLst>
+  </p:timing>
 </p:sld>
 </file>
 
